--- a/FFPM/FFPM 307.pptx
+++ b/FFPM/FFPM 307.pptx
@@ -7,10 +7,20 @@
   <p:sldIdLst>
     <p:sldId id="261" r:id="rId2"/>
     <p:sldId id="262" r:id="rId3"/>
-    <p:sldId id="265" r:id="rId4"/>
-    <p:sldId id="267" r:id="rId5"/>
-    <p:sldId id="269" r:id="rId6"/>
-    <p:sldId id="271" r:id="rId7"/>
+    <p:sldId id="273" r:id="rId4"/>
+    <p:sldId id="272" r:id="rId5"/>
+    <p:sldId id="265" r:id="rId6"/>
+    <p:sldId id="278" r:id="rId7"/>
+    <p:sldId id="274" r:id="rId8"/>
+    <p:sldId id="267" r:id="rId9"/>
+    <p:sldId id="279" r:id="rId10"/>
+    <p:sldId id="275" r:id="rId11"/>
+    <p:sldId id="269" r:id="rId12"/>
+    <p:sldId id="280" r:id="rId13"/>
+    <p:sldId id="276" r:id="rId14"/>
+    <p:sldId id="271" r:id="rId15"/>
+    <p:sldId id="281" r:id="rId16"/>
+    <p:sldId id="277" r:id="rId17"/>
   </p:sldIdLst>
   <p:sldSz cx="9144000" cy="6858000" type="screen4x3"/>
   <p:notesSz cx="6858000" cy="9144000"/>
@@ -110,6 +120,22 @@
       </a:defRPr>
     </a:lvl9pPr>
   </p:defaultTextStyle>
+  <p:extLst>
+    <p:ext uri="{EFAFB233-063F-42B5-8137-9DF3F51BA10A}">
+      <p15:sldGuideLst xmlns:p15="http://schemas.microsoft.com/office/powerpoint/2012/main">
+        <p15:guide id="1" orient="horz" pos="2160">
+          <p15:clr>
+            <a:srgbClr val="A4A3A4"/>
+          </p15:clr>
+        </p15:guide>
+        <p15:guide id="2" pos="2880">
+          <p15:clr>
+            <a:srgbClr val="A4A3A4"/>
+          </p15:clr>
+        </p15:guide>
+      </p15:sldGuideLst>
+    </p:ext>
+  </p:extLst>
 </p:presentation>
 </file>
 
@@ -151,10 +177,9 @@
           <a:lstStyle/>
           <a:p>
             <a:r>
-              <a:rPr lang="fr-FR" smtClean="0"/>
+              <a:rPr lang="fr-FR"/>
               <a:t>Cliquez pour modifier le style du titre</a:t>
             </a:r>
-            <a:endParaRPr lang="fr-FR"/>
           </a:p>
         </p:txBody>
       </p:sp>
@@ -270,10 +295,9 @@
           </a:lstStyle>
           <a:p>
             <a:r>
-              <a:rPr lang="fr-FR" smtClean="0"/>
+              <a:rPr lang="fr-FR"/>
               <a:t>Cliquez pour modifier le style des sous-titres du masque</a:t>
             </a:r>
-            <a:endParaRPr lang="fr-FR"/>
           </a:p>
         </p:txBody>
       </p:sp>
@@ -295,7 +319,7 @@
             <a:fld id="{E1E9137A-D7C1-4F8C-A62B-C89ADD9F06F3}" type="datetimeFigureOut">
               <a:rPr lang="fr-FR" smtClean="0"/>
               <a:pPr/>
-              <a:t>17/12/2012</a:t>
+              <a:t>21/05/2023</a:t>
             </a:fld>
             <a:endParaRPr lang="fr-FR"/>
           </a:p>
@@ -385,10 +409,9 @@
           <a:lstStyle/>
           <a:p>
             <a:r>
-              <a:rPr lang="fr-FR" smtClean="0"/>
+              <a:rPr lang="fr-FR"/>
               <a:t>Cliquez pour modifier le style du titre</a:t>
             </a:r>
-            <a:endParaRPr lang="fr-FR"/>
           </a:p>
         </p:txBody>
       </p:sp>
@@ -409,38 +432,37 @@
           <a:p>
             <a:pPr lvl="0"/>
             <a:r>
-              <a:rPr lang="fr-FR" smtClean="0"/>
+              <a:rPr lang="fr-FR"/>
               <a:t>Cliquez pour modifier les styles du texte du masque</a:t>
             </a:r>
           </a:p>
           <a:p>
             <a:pPr lvl="1"/>
             <a:r>
-              <a:rPr lang="fr-FR" smtClean="0"/>
+              <a:rPr lang="fr-FR"/>
               <a:t>Deuxième niveau</a:t>
             </a:r>
           </a:p>
           <a:p>
             <a:pPr lvl="2"/>
             <a:r>
-              <a:rPr lang="fr-FR" smtClean="0"/>
+              <a:rPr lang="fr-FR"/>
               <a:t>Troisième niveau</a:t>
             </a:r>
           </a:p>
           <a:p>
             <a:pPr lvl="3"/>
             <a:r>
-              <a:rPr lang="fr-FR" smtClean="0"/>
+              <a:rPr lang="fr-FR"/>
               <a:t>Quatrième niveau</a:t>
             </a:r>
           </a:p>
           <a:p>
             <a:pPr lvl="4"/>
             <a:r>
-              <a:rPr lang="fr-FR" smtClean="0"/>
+              <a:rPr lang="fr-FR"/>
               <a:t>Cinquième niveau</a:t>
             </a:r>
-            <a:endParaRPr lang="fr-FR"/>
           </a:p>
         </p:txBody>
       </p:sp>
@@ -462,7 +484,7 @@
             <a:fld id="{E1E9137A-D7C1-4F8C-A62B-C89ADD9F06F3}" type="datetimeFigureOut">
               <a:rPr lang="fr-FR" smtClean="0"/>
               <a:pPr/>
-              <a:t>17/12/2012</a:t>
+              <a:t>21/05/2023</a:t>
             </a:fld>
             <a:endParaRPr lang="fr-FR"/>
           </a:p>
@@ -557,10 +579,9 @@
           <a:lstStyle/>
           <a:p>
             <a:r>
-              <a:rPr lang="fr-FR" smtClean="0"/>
+              <a:rPr lang="fr-FR"/>
               <a:t>Cliquez pour modifier le style du titre</a:t>
             </a:r>
-            <a:endParaRPr lang="fr-FR"/>
           </a:p>
         </p:txBody>
       </p:sp>
@@ -586,38 +607,37 @@
           <a:p>
             <a:pPr lvl="0"/>
             <a:r>
-              <a:rPr lang="fr-FR" smtClean="0"/>
+              <a:rPr lang="fr-FR"/>
               <a:t>Cliquez pour modifier les styles du texte du masque</a:t>
             </a:r>
           </a:p>
           <a:p>
             <a:pPr lvl="1"/>
             <a:r>
-              <a:rPr lang="fr-FR" smtClean="0"/>
+              <a:rPr lang="fr-FR"/>
               <a:t>Deuxième niveau</a:t>
             </a:r>
           </a:p>
           <a:p>
             <a:pPr lvl="2"/>
             <a:r>
-              <a:rPr lang="fr-FR" smtClean="0"/>
+              <a:rPr lang="fr-FR"/>
               <a:t>Troisième niveau</a:t>
             </a:r>
           </a:p>
           <a:p>
             <a:pPr lvl="3"/>
             <a:r>
-              <a:rPr lang="fr-FR" smtClean="0"/>
+              <a:rPr lang="fr-FR"/>
               <a:t>Quatrième niveau</a:t>
             </a:r>
           </a:p>
           <a:p>
             <a:pPr lvl="4"/>
             <a:r>
-              <a:rPr lang="fr-FR" smtClean="0"/>
+              <a:rPr lang="fr-FR"/>
               <a:t>Cinquième niveau</a:t>
             </a:r>
-            <a:endParaRPr lang="fr-FR"/>
           </a:p>
         </p:txBody>
       </p:sp>
@@ -639,7 +659,7 @@
             <a:fld id="{E1E9137A-D7C1-4F8C-A62B-C89ADD9F06F3}" type="datetimeFigureOut">
               <a:rPr lang="fr-FR" smtClean="0"/>
               <a:pPr/>
-              <a:t>17/12/2012</a:t>
+              <a:t>21/05/2023</a:t>
             </a:fld>
             <a:endParaRPr lang="fr-FR"/>
           </a:p>
@@ -729,10 +749,9 @@
           <a:lstStyle/>
           <a:p>
             <a:r>
-              <a:rPr lang="fr-FR" smtClean="0"/>
+              <a:rPr lang="fr-FR"/>
               <a:t>Cliquez pour modifier le style du titre</a:t>
             </a:r>
-            <a:endParaRPr lang="fr-FR"/>
           </a:p>
         </p:txBody>
       </p:sp>
@@ -753,38 +772,37 @@
           <a:p>
             <a:pPr lvl="0"/>
             <a:r>
-              <a:rPr lang="fr-FR" smtClean="0"/>
+              <a:rPr lang="fr-FR"/>
               <a:t>Cliquez pour modifier les styles du texte du masque</a:t>
             </a:r>
           </a:p>
           <a:p>
             <a:pPr lvl="1"/>
             <a:r>
-              <a:rPr lang="fr-FR" smtClean="0"/>
+              <a:rPr lang="fr-FR"/>
               <a:t>Deuxième niveau</a:t>
             </a:r>
           </a:p>
           <a:p>
             <a:pPr lvl="2"/>
             <a:r>
-              <a:rPr lang="fr-FR" smtClean="0"/>
+              <a:rPr lang="fr-FR"/>
               <a:t>Troisième niveau</a:t>
             </a:r>
           </a:p>
           <a:p>
             <a:pPr lvl="3"/>
             <a:r>
-              <a:rPr lang="fr-FR" smtClean="0"/>
+              <a:rPr lang="fr-FR"/>
               <a:t>Quatrième niveau</a:t>
             </a:r>
           </a:p>
           <a:p>
             <a:pPr lvl="4"/>
             <a:r>
-              <a:rPr lang="fr-FR" smtClean="0"/>
+              <a:rPr lang="fr-FR"/>
               <a:t>Cinquième niveau</a:t>
             </a:r>
-            <a:endParaRPr lang="fr-FR"/>
           </a:p>
         </p:txBody>
       </p:sp>
@@ -806,7 +824,7 @@
             <a:fld id="{E1E9137A-D7C1-4F8C-A62B-C89ADD9F06F3}" type="datetimeFigureOut">
               <a:rPr lang="fr-FR" smtClean="0"/>
               <a:pPr/>
-              <a:t>17/12/2012</a:t>
+              <a:t>21/05/2023</a:t>
             </a:fld>
             <a:endParaRPr lang="fr-FR"/>
           </a:p>
@@ -905,10 +923,9 @@
           </a:lstStyle>
           <a:p>
             <a:r>
-              <a:rPr lang="fr-FR" smtClean="0"/>
+              <a:rPr lang="fr-FR"/>
               <a:t>Cliquez pour modifier le style du titre</a:t>
             </a:r>
-            <a:endParaRPr lang="fr-FR"/>
           </a:p>
         </p:txBody>
       </p:sp>
@@ -1025,7 +1042,7 @@
           <a:p>
             <a:pPr lvl="0"/>
             <a:r>
-              <a:rPr lang="fr-FR" smtClean="0"/>
+              <a:rPr lang="fr-FR"/>
               <a:t>Cliquez pour modifier les styles du texte du masque</a:t>
             </a:r>
           </a:p>
@@ -1049,7 +1066,7 @@
             <a:fld id="{E1E9137A-D7C1-4F8C-A62B-C89ADD9F06F3}" type="datetimeFigureOut">
               <a:rPr lang="fr-FR" smtClean="0"/>
               <a:pPr/>
-              <a:t>17/12/2012</a:t>
+              <a:t>21/05/2023</a:t>
             </a:fld>
             <a:endParaRPr lang="fr-FR"/>
           </a:p>
@@ -1139,10 +1156,9 @@
           <a:lstStyle/>
           <a:p>
             <a:r>
-              <a:rPr lang="fr-FR" smtClean="0"/>
+              <a:rPr lang="fr-FR"/>
               <a:t>Cliquez pour modifier le style du titre</a:t>
             </a:r>
-            <a:endParaRPr lang="fr-FR"/>
           </a:p>
         </p:txBody>
       </p:sp>
@@ -1196,38 +1212,37 @@
           <a:p>
             <a:pPr lvl="0"/>
             <a:r>
-              <a:rPr lang="fr-FR" smtClean="0"/>
+              <a:rPr lang="fr-FR"/>
               <a:t>Cliquez pour modifier les styles du texte du masque</a:t>
             </a:r>
           </a:p>
           <a:p>
             <a:pPr lvl="1"/>
             <a:r>
-              <a:rPr lang="fr-FR" smtClean="0"/>
+              <a:rPr lang="fr-FR"/>
               <a:t>Deuxième niveau</a:t>
             </a:r>
           </a:p>
           <a:p>
             <a:pPr lvl="2"/>
             <a:r>
-              <a:rPr lang="fr-FR" smtClean="0"/>
+              <a:rPr lang="fr-FR"/>
               <a:t>Troisième niveau</a:t>
             </a:r>
           </a:p>
           <a:p>
             <a:pPr lvl="3"/>
             <a:r>
-              <a:rPr lang="fr-FR" smtClean="0"/>
+              <a:rPr lang="fr-FR"/>
               <a:t>Quatrième niveau</a:t>
             </a:r>
           </a:p>
           <a:p>
             <a:pPr lvl="4"/>
             <a:r>
-              <a:rPr lang="fr-FR" smtClean="0"/>
+              <a:rPr lang="fr-FR"/>
               <a:t>Cinquième niveau</a:t>
             </a:r>
-            <a:endParaRPr lang="fr-FR"/>
           </a:p>
         </p:txBody>
       </p:sp>
@@ -1281,38 +1296,37 @@
           <a:p>
             <a:pPr lvl="0"/>
             <a:r>
-              <a:rPr lang="fr-FR" smtClean="0"/>
+              <a:rPr lang="fr-FR"/>
               <a:t>Cliquez pour modifier les styles du texte du masque</a:t>
             </a:r>
           </a:p>
           <a:p>
             <a:pPr lvl="1"/>
             <a:r>
-              <a:rPr lang="fr-FR" smtClean="0"/>
+              <a:rPr lang="fr-FR"/>
               <a:t>Deuxième niveau</a:t>
             </a:r>
           </a:p>
           <a:p>
             <a:pPr lvl="2"/>
             <a:r>
-              <a:rPr lang="fr-FR" smtClean="0"/>
+              <a:rPr lang="fr-FR"/>
               <a:t>Troisième niveau</a:t>
             </a:r>
           </a:p>
           <a:p>
             <a:pPr lvl="3"/>
             <a:r>
-              <a:rPr lang="fr-FR" smtClean="0"/>
+              <a:rPr lang="fr-FR"/>
               <a:t>Quatrième niveau</a:t>
             </a:r>
           </a:p>
           <a:p>
             <a:pPr lvl="4"/>
             <a:r>
-              <a:rPr lang="fr-FR" smtClean="0"/>
+              <a:rPr lang="fr-FR"/>
               <a:t>Cinquième niveau</a:t>
             </a:r>
-            <a:endParaRPr lang="fr-FR"/>
           </a:p>
         </p:txBody>
       </p:sp>
@@ -1334,7 +1348,7 @@
             <a:fld id="{E1E9137A-D7C1-4F8C-A62B-C89ADD9F06F3}" type="datetimeFigureOut">
               <a:rPr lang="fr-FR" smtClean="0"/>
               <a:pPr/>
-              <a:t>17/12/2012</a:t>
+              <a:t>21/05/2023</a:t>
             </a:fld>
             <a:endParaRPr lang="fr-FR"/>
           </a:p>
@@ -1428,10 +1442,9 @@
           </a:lstStyle>
           <a:p>
             <a:r>
-              <a:rPr lang="fr-FR" smtClean="0"/>
+              <a:rPr lang="fr-FR"/>
               <a:t>Cliquez pour modifier le style du titre</a:t>
             </a:r>
-            <a:endParaRPr lang="fr-FR"/>
           </a:p>
         </p:txBody>
       </p:sp>
@@ -1494,7 +1507,7 @@
           <a:p>
             <a:pPr lvl="0"/>
             <a:r>
-              <a:rPr lang="fr-FR" smtClean="0"/>
+              <a:rPr lang="fr-FR"/>
               <a:t>Cliquez pour modifier les styles du texte du masque</a:t>
             </a:r>
           </a:p>
@@ -1550,38 +1563,37 @@
           <a:p>
             <a:pPr lvl="0"/>
             <a:r>
-              <a:rPr lang="fr-FR" smtClean="0"/>
+              <a:rPr lang="fr-FR"/>
               <a:t>Cliquez pour modifier les styles du texte du masque</a:t>
             </a:r>
           </a:p>
           <a:p>
             <a:pPr lvl="1"/>
             <a:r>
-              <a:rPr lang="fr-FR" smtClean="0"/>
+              <a:rPr lang="fr-FR"/>
               <a:t>Deuxième niveau</a:t>
             </a:r>
           </a:p>
           <a:p>
             <a:pPr lvl="2"/>
             <a:r>
-              <a:rPr lang="fr-FR" smtClean="0"/>
+              <a:rPr lang="fr-FR"/>
               <a:t>Troisième niveau</a:t>
             </a:r>
           </a:p>
           <a:p>
             <a:pPr lvl="3"/>
             <a:r>
-              <a:rPr lang="fr-FR" smtClean="0"/>
+              <a:rPr lang="fr-FR"/>
               <a:t>Quatrième niveau</a:t>
             </a:r>
           </a:p>
           <a:p>
             <a:pPr lvl="4"/>
             <a:r>
-              <a:rPr lang="fr-FR" smtClean="0"/>
+              <a:rPr lang="fr-FR"/>
               <a:t>Cinquième niveau</a:t>
             </a:r>
-            <a:endParaRPr lang="fr-FR"/>
           </a:p>
         </p:txBody>
       </p:sp>
@@ -1644,7 +1656,7 @@
           <a:p>
             <a:pPr lvl="0"/>
             <a:r>
-              <a:rPr lang="fr-FR" smtClean="0"/>
+              <a:rPr lang="fr-FR"/>
               <a:t>Cliquez pour modifier les styles du texte du masque</a:t>
             </a:r>
           </a:p>
@@ -1700,38 +1712,37 @@
           <a:p>
             <a:pPr lvl="0"/>
             <a:r>
-              <a:rPr lang="fr-FR" smtClean="0"/>
+              <a:rPr lang="fr-FR"/>
               <a:t>Cliquez pour modifier les styles du texte du masque</a:t>
             </a:r>
           </a:p>
           <a:p>
             <a:pPr lvl="1"/>
             <a:r>
-              <a:rPr lang="fr-FR" smtClean="0"/>
+              <a:rPr lang="fr-FR"/>
               <a:t>Deuxième niveau</a:t>
             </a:r>
           </a:p>
           <a:p>
             <a:pPr lvl="2"/>
             <a:r>
-              <a:rPr lang="fr-FR" smtClean="0"/>
+              <a:rPr lang="fr-FR"/>
               <a:t>Troisième niveau</a:t>
             </a:r>
           </a:p>
           <a:p>
             <a:pPr lvl="3"/>
             <a:r>
-              <a:rPr lang="fr-FR" smtClean="0"/>
+              <a:rPr lang="fr-FR"/>
               <a:t>Quatrième niveau</a:t>
             </a:r>
           </a:p>
           <a:p>
             <a:pPr lvl="4"/>
             <a:r>
-              <a:rPr lang="fr-FR" smtClean="0"/>
+              <a:rPr lang="fr-FR"/>
               <a:t>Cinquième niveau</a:t>
             </a:r>
-            <a:endParaRPr lang="fr-FR"/>
           </a:p>
         </p:txBody>
       </p:sp>
@@ -1753,7 +1764,7 @@
             <a:fld id="{E1E9137A-D7C1-4F8C-A62B-C89ADD9F06F3}" type="datetimeFigureOut">
               <a:rPr lang="fr-FR" smtClean="0"/>
               <a:pPr/>
-              <a:t>17/12/2012</a:t>
+              <a:t>21/05/2023</a:t>
             </a:fld>
             <a:endParaRPr lang="fr-FR"/>
           </a:p>
@@ -1843,10 +1854,9 @@
           <a:lstStyle/>
           <a:p>
             <a:r>
-              <a:rPr lang="fr-FR" smtClean="0"/>
+              <a:rPr lang="fr-FR"/>
               <a:t>Cliquez pour modifier le style du titre</a:t>
             </a:r>
-            <a:endParaRPr lang="fr-FR"/>
           </a:p>
         </p:txBody>
       </p:sp>
@@ -1868,7 +1878,7 @@
             <a:fld id="{E1E9137A-D7C1-4F8C-A62B-C89ADD9F06F3}" type="datetimeFigureOut">
               <a:rPr lang="fr-FR" smtClean="0"/>
               <a:pPr/>
-              <a:t>17/12/2012</a:t>
+              <a:t>21/05/2023</a:t>
             </a:fld>
             <a:endParaRPr lang="fr-FR"/>
           </a:p>
@@ -1960,7 +1970,7 @@
             <a:fld id="{E1E9137A-D7C1-4F8C-A62B-C89ADD9F06F3}" type="datetimeFigureOut">
               <a:rPr lang="fr-FR" smtClean="0"/>
               <a:pPr/>
-              <a:t>17/12/2012</a:t>
+              <a:t>21/05/2023</a:t>
             </a:fld>
             <a:endParaRPr lang="fr-FR"/>
           </a:p>
@@ -2059,10 +2069,9 @@
           </a:lstStyle>
           <a:p>
             <a:r>
-              <a:rPr lang="fr-FR" smtClean="0"/>
+              <a:rPr lang="fr-FR"/>
               <a:t>Cliquez pour modifier le style du titre</a:t>
             </a:r>
-            <a:endParaRPr lang="fr-FR"/>
           </a:p>
         </p:txBody>
       </p:sp>
@@ -2116,38 +2125,37 @@
           <a:p>
             <a:pPr lvl="0"/>
             <a:r>
-              <a:rPr lang="fr-FR" smtClean="0"/>
+              <a:rPr lang="fr-FR"/>
               <a:t>Cliquez pour modifier les styles du texte du masque</a:t>
             </a:r>
           </a:p>
           <a:p>
             <a:pPr lvl="1"/>
             <a:r>
-              <a:rPr lang="fr-FR" smtClean="0"/>
+              <a:rPr lang="fr-FR"/>
               <a:t>Deuxième niveau</a:t>
             </a:r>
           </a:p>
           <a:p>
             <a:pPr lvl="2"/>
             <a:r>
-              <a:rPr lang="fr-FR" smtClean="0"/>
+              <a:rPr lang="fr-FR"/>
               <a:t>Troisième niveau</a:t>
             </a:r>
           </a:p>
           <a:p>
             <a:pPr lvl="3"/>
             <a:r>
-              <a:rPr lang="fr-FR" smtClean="0"/>
+              <a:rPr lang="fr-FR"/>
               <a:t>Quatrième niveau</a:t>
             </a:r>
           </a:p>
           <a:p>
             <a:pPr lvl="4"/>
             <a:r>
-              <a:rPr lang="fr-FR" smtClean="0"/>
+              <a:rPr lang="fr-FR"/>
               <a:t>Cinquième niveau</a:t>
             </a:r>
-            <a:endParaRPr lang="fr-FR"/>
           </a:p>
         </p:txBody>
       </p:sp>
@@ -2210,7 +2218,7 @@
           <a:p>
             <a:pPr lvl="0"/>
             <a:r>
-              <a:rPr lang="fr-FR" smtClean="0"/>
+              <a:rPr lang="fr-FR"/>
               <a:t>Cliquez pour modifier les styles du texte du masque</a:t>
             </a:r>
           </a:p>
@@ -2234,7 +2242,7 @@
             <a:fld id="{E1E9137A-D7C1-4F8C-A62B-C89ADD9F06F3}" type="datetimeFigureOut">
               <a:rPr lang="fr-FR" smtClean="0"/>
               <a:pPr/>
-              <a:t>17/12/2012</a:t>
+              <a:t>21/05/2023</a:t>
             </a:fld>
             <a:endParaRPr lang="fr-FR"/>
           </a:p>
@@ -2333,10 +2341,9 @@
           </a:lstStyle>
           <a:p>
             <a:r>
-              <a:rPr lang="fr-FR" smtClean="0"/>
+              <a:rPr lang="fr-FR"/>
               <a:t>Cliquez pour modifier le style du titre</a:t>
             </a:r>
-            <a:endParaRPr lang="fr-FR"/>
           </a:p>
         </p:txBody>
       </p:sp>
@@ -2460,7 +2467,7 @@
           <a:p>
             <a:pPr lvl="0"/>
             <a:r>
-              <a:rPr lang="fr-FR" smtClean="0"/>
+              <a:rPr lang="fr-FR"/>
               <a:t>Cliquez pour modifier les styles du texte du masque</a:t>
             </a:r>
           </a:p>
@@ -2484,7 +2491,7 @@
             <a:fld id="{E1E9137A-D7C1-4F8C-A62B-C89ADD9F06F3}" type="datetimeFigureOut">
               <a:rPr lang="fr-FR" smtClean="0"/>
               <a:pPr/>
-              <a:t>17/12/2012</a:t>
+              <a:t>21/05/2023</a:t>
             </a:fld>
             <a:endParaRPr lang="fr-FR"/>
           </a:p>
@@ -2594,10 +2601,9 @@
           <a:lstStyle/>
           <a:p>
             <a:r>
-              <a:rPr lang="fr-FR" smtClean="0"/>
+              <a:rPr lang="fr-FR"/>
               <a:t>Cliquez pour modifier le style du titre</a:t>
             </a:r>
-            <a:endParaRPr lang="fr-FR"/>
           </a:p>
         </p:txBody>
       </p:sp>
@@ -2628,38 +2634,37 @@
           <a:p>
             <a:pPr lvl="0"/>
             <a:r>
-              <a:rPr lang="fr-FR" smtClean="0"/>
+              <a:rPr lang="fr-FR"/>
               <a:t>Cliquez pour modifier les styles du texte du masque</a:t>
             </a:r>
           </a:p>
           <a:p>
             <a:pPr lvl="1"/>
             <a:r>
-              <a:rPr lang="fr-FR" smtClean="0"/>
+              <a:rPr lang="fr-FR"/>
               <a:t>Deuxième niveau</a:t>
             </a:r>
           </a:p>
           <a:p>
             <a:pPr lvl="2"/>
             <a:r>
-              <a:rPr lang="fr-FR" smtClean="0"/>
+              <a:rPr lang="fr-FR"/>
               <a:t>Troisième niveau</a:t>
             </a:r>
           </a:p>
           <a:p>
             <a:pPr lvl="3"/>
             <a:r>
-              <a:rPr lang="fr-FR" smtClean="0"/>
+              <a:rPr lang="fr-FR"/>
               <a:t>Quatrième niveau</a:t>
             </a:r>
           </a:p>
           <a:p>
             <a:pPr lvl="4"/>
             <a:r>
-              <a:rPr lang="fr-FR" smtClean="0"/>
+              <a:rPr lang="fr-FR"/>
               <a:t>Cinquième niveau</a:t>
             </a:r>
-            <a:endParaRPr lang="fr-FR"/>
           </a:p>
         </p:txBody>
       </p:sp>
@@ -2699,7 +2704,7 @@
             <a:fld id="{E1E9137A-D7C1-4F8C-A62B-C89ADD9F06F3}" type="datetimeFigureOut">
               <a:rPr lang="fr-FR" smtClean="0"/>
               <a:pPr/>
-              <a:t>17/12/2012</a:t>
+              <a:t>21/05/2023</a:t>
             </a:fld>
             <a:endParaRPr lang="fr-FR"/>
           </a:p>
@@ -3158,7 +3163,7 @@
           <a:p>
             <a:pPr algn="ctr"/>
             <a:r>
-              <a:rPr lang="fi-FI" sz="8000" b="1" dirty="0" smtClean="0"/>
+              <a:rPr lang="fi-FI" sz="8000" b="1" dirty="0"/>
               <a:t>HIRA</a:t>
             </a:r>
             <a:endParaRPr lang="fr-FR" sz="8000" dirty="0"/>
@@ -3188,7 +3193,7 @@
           <a:p>
             <a:pPr algn="ctr"/>
             <a:r>
-              <a:rPr lang="fi-FI" sz="8000" b="1" dirty="0" smtClean="0"/>
+              <a:rPr lang="fi-FI" sz="8000" b="1" dirty="0"/>
               <a:t>307</a:t>
             </a:r>
             <a:endParaRPr lang="fr-FR" sz="8000" dirty="0"/>
@@ -3196,6 +3201,1304 @@
         </p:txBody>
       </p:sp>
     </p:spTree>
+  </p:cSld>
+  <p:clrMapOvr>
+    <a:masterClrMapping/>
+  </p:clrMapOvr>
+</p:sld>
+</file>
+
+<file path=ppt/slides/slide10.xml><?xml version="1.0" encoding="utf-8"?>
+<p:sld xmlns:a="http://schemas.openxmlformats.org/drawingml/2006/main" xmlns:r="http://schemas.openxmlformats.org/officeDocument/2006/relationships" xmlns:p="http://schemas.openxmlformats.org/presentationml/2006/main">
+  <p:cSld>
+    <p:spTree>
+      <p:nvGrpSpPr>
+        <p:cNvPr id="1" name=""/>
+        <p:cNvGrpSpPr/>
+        <p:nvPr/>
+      </p:nvGrpSpPr>
+      <p:grpSpPr>
+        <a:xfrm>
+          <a:off x="0" y="0"/>
+          <a:ext cx="0" cy="0"/>
+          <a:chOff x="0" y="0"/>
+          <a:chExt cx="0" cy="0"/>
+        </a:xfrm>
+      </p:grpSpPr>
+      <p:sp>
+        <p:nvSpPr>
+          <p:cNvPr id="5" name="ZoneTexte 4">
+            <a:extLst>
+              <a:ext uri="{FF2B5EF4-FFF2-40B4-BE49-F238E27FC236}">
+                <a16:creationId xmlns:a16="http://schemas.microsoft.com/office/drawing/2014/main" id="{79AE07ED-98B4-C43F-B1DF-C6AE33043E07}"/>
+              </a:ext>
+            </a:extLst>
+          </p:cNvPr>
+          <p:cNvSpPr txBox="1"/>
+          <p:nvPr/>
+        </p:nvSpPr>
+        <p:spPr>
+          <a:xfrm>
+            <a:off x="0" y="572482"/>
+            <a:ext cx="9144000" cy="5016758"/>
+          </a:xfrm>
+          <a:prstGeom prst="rect">
+            <a:avLst/>
+          </a:prstGeom>
+          <a:noFill/>
+        </p:spPr>
+        <p:txBody>
+          <a:bodyPr wrap="square">
+            <a:spAutoFit/>
+          </a:bodyPr>
+          <a:lstStyle/>
+          <a:p>
+            <a:pPr algn="ctr"/>
+            <a:r>
+              <a:rPr lang="fr-FR" sz="8000" b="1" dirty="0" err="1">
+                <a:effectLst>
+                  <a:outerShdw blurRad="38100" dist="38100" dir="2700000" algn="tl">
+                    <a:srgbClr val="000000">
+                      <a:alpha val="43137"/>
+                    </a:srgbClr>
+                  </a:outerShdw>
+                </a:effectLst>
+              </a:rPr>
+              <a:t>Jeso</a:t>
+            </a:r>
+            <a:r>
+              <a:rPr lang="fr-FR" sz="8000" b="1" dirty="0">
+                <a:effectLst>
+                  <a:outerShdw blurRad="38100" dist="38100" dir="2700000" algn="tl">
+                    <a:srgbClr val="000000">
+                      <a:alpha val="43137"/>
+                    </a:srgbClr>
+                  </a:outerShdw>
+                </a:effectLst>
+              </a:rPr>
+              <a:t> </a:t>
+            </a:r>
+            <a:r>
+              <a:rPr lang="fr-FR" sz="8000" b="1" dirty="0" err="1">
+                <a:effectLst>
+                  <a:outerShdw blurRad="38100" dist="38100" dir="2700000" algn="tl">
+                    <a:srgbClr val="000000">
+                      <a:alpha val="43137"/>
+                    </a:srgbClr>
+                  </a:outerShdw>
+                </a:effectLst>
+              </a:rPr>
+              <a:t>Tomponay</a:t>
+            </a:r>
+            <a:r>
+              <a:rPr lang="fr-FR" sz="8000" b="1" dirty="0">
+                <a:effectLst>
+                  <a:outerShdw blurRad="38100" dist="38100" dir="2700000" algn="tl">
+                    <a:srgbClr val="000000">
+                      <a:alpha val="43137"/>
+                    </a:srgbClr>
+                  </a:outerShdw>
+                </a:effectLst>
+              </a:rPr>
+              <a:t> ô! </a:t>
+            </a:r>
+            <a:r>
+              <a:rPr lang="fr-FR" sz="8000" b="1" dirty="0" err="1">
+                <a:effectLst>
+                  <a:outerShdw blurRad="38100" dist="38100" dir="2700000" algn="tl">
+                    <a:srgbClr val="000000">
+                      <a:alpha val="43137"/>
+                    </a:srgbClr>
+                  </a:outerShdw>
+                </a:effectLst>
+              </a:rPr>
+              <a:t>Indreto</a:t>
+            </a:r>
+            <a:r>
+              <a:rPr lang="fr-FR" sz="8000" b="1" dirty="0">
+                <a:effectLst>
+                  <a:outerShdw blurRad="38100" dist="38100" dir="2700000" algn="tl">
+                    <a:srgbClr val="000000">
+                      <a:alpha val="43137"/>
+                    </a:srgbClr>
+                  </a:outerShdw>
+                </a:effectLst>
+              </a:rPr>
+              <a:t> </a:t>
+            </a:r>
+            <a:r>
+              <a:rPr lang="fr-FR" sz="8000" b="1" dirty="0" err="1">
+                <a:effectLst>
+                  <a:outerShdw blurRad="38100" dist="38100" dir="2700000" algn="tl">
+                    <a:srgbClr val="000000">
+                      <a:alpha val="43137"/>
+                    </a:srgbClr>
+                  </a:outerShdw>
+                </a:effectLst>
+              </a:rPr>
+              <a:t>izahay</a:t>
+            </a:r>
+            <a:r>
+              <a:rPr lang="fr-FR" sz="8000" b="1" dirty="0">
+                <a:effectLst>
+                  <a:outerShdw blurRad="38100" dist="38100" dir="2700000" algn="tl">
+                    <a:srgbClr val="000000">
+                      <a:alpha val="43137"/>
+                    </a:srgbClr>
+                  </a:outerShdw>
+                </a:effectLst>
+              </a:rPr>
+              <a:t>,</a:t>
+            </a:r>
+          </a:p>
+          <a:p>
+            <a:pPr algn="ctr"/>
+            <a:r>
+              <a:rPr lang="fr-FR" sz="8000" b="1" dirty="0">
+                <a:effectLst>
+                  <a:outerShdw blurRad="38100" dist="38100" dir="2700000" algn="tl">
+                    <a:srgbClr val="000000">
+                      <a:alpha val="43137"/>
+                    </a:srgbClr>
+                  </a:outerShdw>
+                </a:effectLst>
+              </a:rPr>
+              <a:t>Avy </a:t>
+            </a:r>
+            <a:r>
+              <a:rPr lang="fr-FR" sz="8000" b="1" dirty="0" err="1">
+                <a:effectLst>
+                  <a:outerShdw blurRad="38100" dist="38100" dir="2700000" algn="tl">
+                    <a:srgbClr val="000000">
+                      <a:alpha val="43137"/>
+                    </a:srgbClr>
+                  </a:outerShdw>
+                </a:effectLst>
+              </a:rPr>
+              <a:t>mba</a:t>
+            </a:r>
+            <a:r>
+              <a:rPr lang="fr-FR" sz="8000" b="1" dirty="0">
+                <a:effectLst>
+                  <a:outerShdw blurRad="38100" dist="38100" dir="2700000" algn="tl">
+                    <a:srgbClr val="000000">
+                      <a:alpha val="43137"/>
+                    </a:srgbClr>
+                  </a:outerShdw>
+                </a:effectLst>
+              </a:rPr>
+              <a:t> </a:t>
+            </a:r>
+            <a:r>
+              <a:rPr lang="fr-FR" sz="8000" b="1" dirty="0" err="1">
+                <a:effectLst>
+                  <a:outerShdw blurRad="38100" dist="38100" dir="2700000" algn="tl">
+                    <a:srgbClr val="000000">
+                      <a:alpha val="43137"/>
+                    </a:srgbClr>
+                  </a:outerShdw>
+                </a:effectLst>
+              </a:rPr>
+              <a:t>hanaiky</a:t>
+            </a:r>
+            <a:r>
+              <a:rPr lang="fr-FR" sz="8000" b="1" dirty="0">
+                <a:effectLst>
+                  <a:outerShdw blurRad="38100" dist="38100" dir="2700000" algn="tl">
+                    <a:srgbClr val="000000">
+                      <a:alpha val="43137"/>
+                    </a:srgbClr>
+                  </a:outerShdw>
+                </a:effectLst>
+              </a:rPr>
+              <a:t>, </a:t>
+            </a:r>
+          </a:p>
+          <a:p>
+            <a:pPr algn="ctr"/>
+            <a:r>
+              <a:rPr lang="fr-FR" sz="8000" b="1" dirty="0">
+                <a:effectLst>
+                  <a:outerShdw blurRad="38100" dist="38100" dir="2700000" algn="tl">
+                    <a:srgbClr val="000000">
+                      <a:alpha val="43137"/>
+                    </a:srgbClr>
+                  </a:outerShdw>
+                </a:effectLst>
+              </a:rPr>
+              <a:t>ka </a:t>
+            </a:r>
+            <a:r>
+              <a:rPr lang="fr-FR" sz="8000" b="1" dirty="0" err="1">
+                <a:effectLst>
+                  <a:outerShdw blurRad="38100" dist="38100" dir="2700000" algn="tl">
+                    <a:srgbClr val="000000">
+                      <a:alpha val="43137"/>
+                    </a:srgbClr>
+                  </a:outerShdw>
+                </a:effectLst>
+              </a:rPr>
+              <a:t>mandraisa</a:t>
+            </a:r>
+            <a:r>
+              <a:rPr lang="fr-FR" sz="8000" b="1" dirty="0">
+                <a:effectLst>
+                  <a:outerShdw blurRad="38100" dist="38100" dir="2700000" algn="tl">
+                    <a:srgbClr val="000000">
+                      <a:alpha val="43137"/>
+                    </a:srgbClr>
+                  </a:outerShdw>
+                </a:effectLst>
+              </a:rPr>
+              <a:t> </a:t>
+            </a:r>
+            <a:r>
+              <a:rPr lang="fr-FR" sz="8000" b="1" dirty="0" err="1">
+                <a:effectLst>
+                  <a:outerShdw blurRad="38100" dist="38100" dir="2700000" algn="tl">
+                    <a:srgbClr val="000000">
+                      <a:alpha val="43137"/>
+                    </a:srgbClr>
+                  </a:outerShdw>
+                </a:effectLst>
+              </a:rPr>
+              <a:t>anay</a:t>
+            </a:r>
+            <a:r>
+              <a:rPr lang="fr-FR" sz="8000" b="1" dirty="0">
+                <a:effectLst>
+                  <a:outerShdw blurRad="38100" dist="38100" dir="2700000" algn="tl">
+                    <a:srgbClr val="000000">
+                      <a:alpha val="43137"/>
+                    </a:srgbClr>
+                  </a:outerShdw>
+                </a:effectLst>
+              </a:rPr>
+              <a:t>.</a:t>
+            </a:r>
+          </a:p>
+        </p:txBody>
+      </p:sp>
+    </p:spTree>
+    <p:extLst>
+      <p:ext uri="{BB962C8B-B14F-4D97-AF65-F5344CB8AC3E}">
+        <p14:creationId xmlns:p14="http://schemas.microsoft.com/office/powerpoint/2010/main" val="3367306172"/>
+      </p:ext>
+    </p:extLst>
+  </p:cSld>
+  <p:clrMapOvr>
+    <a:masterClrMapping/>
+  </p:clrMapOvr>
+</p:sld>
+</file>
+
+<file path=ppt/slides/slide11.xml><?xml version="1.0" encoding="utf-8"?>
+<p:sld xmlns:a="http://schemas.openxmlformats.org/drawingml/2006/main" xmlns:r="http://schemas.openxmlformats.org/officeDocument/2006/relationships" xmlns:p="http://schemas.openxmlformats.org/presentationml/2006/main">
+  <p:cSld>
+    <p:spTree>
+      <p:nvGrpSpPr>
+        <p:cNvPr id="1" name=""/>
+        <p:cNvGrpSpPr/>
+        <p:nvPr/>
+      </p:nvGrpSpPr>
+      <p:grpSpPr>
+        <a:xfrm>
+          <a:off x="0" y="0"/>
+          <a:ext cx="0" cy="0"/>
+          <a:chOff x="0" y="0"/>
+          <a:chExt cx="0" cy="0"/>
+        </a:xfrm>
+      </p:grpSpPr>
+      <p:sp>
+        <p:nvSpPr>
+          <p:cNvPr id="7" name="Rectangle 6"/>
+          <p:cNvSpPr/>
+          <p:nvPr/>
+        </p:nvSpPr>
+        <p:spPr>
+          <a:xfrm>
+            <a:off x="0" y="332656"/>
+            <a:ext cx="9144000" cy="5509200"/>
+          </a:xfrm>
+          <a:prstGeom prst="rect">
+            <a:avLst/>
+          </a:prstGeom>
+        </p:spPr>
+        <p:txBody>
+          <a:bodyPr wrap="square">
+            <a:spAutoFit/>
+          </a:bodyPr>
+          <a:lstStyle/>
+          <a:p>
+            <a:pPr algn="ctr"/>
+            <a:r>
+              <a:rPr lang="es-ES" sz="8800" dirty="0"/>
+              <a:t>4. </a:t>
+            </a:r>
+            <a:r>
+              <a:rPr lang="es-ES" sz="8800" dirty="0" err="1"/>
+              <a:t>lza</a:t>
+            </a:r>
+            <a:r>
+              <a:rPr lang="es-ES" sz="8800" dirty="0"/>
+              <a:t> re no </a:t>
+            </a:r>
+            <a:r>
+              <a:rPr lang="es-ES" sz="8800" dirty="0" err="1"/>
+              <a:t>homba</a:t>
+            </a:r>
+            <a:r>
+              <a:rPr lang="es-ES" sz="8800" dirty="0"/>
+              <a:t> </a:t>
+            </a:r>
+            <a:r>
+              <a:rPr lang="es-ES" sz="8800" dirty="0" err="1"/>
+              <a:t>Azy</a:t>
+            </a:r>
+            <a:r>
+              <a:rPr lang="es-ES" sz="8800" dirty="0"/>
+              <a:t> </a:t>
+            </a:r>
+            <a:r>
+              <a:rPr lang="es-ES" sz="8800" dirty="0" err="1"/>
+              <a:t>ankehitrio</a:t>
+            </a:r>
+            <a:endParaRPr lang="es-ES" sz="8800" dirty="0"/>
+          </a:p>
+          <a:p>
+            <a:pPr algn="ctr"/>
+            <a:r>
+              <a:rPr lang="fr-FR" sz="8800" dirty="0" err="1"/>
+              <a:t>Mba</a:t>
+            </a:r>
+            <a:r>
+              <a:rPr lang="fr-FR" sz="8800" dirty="0"/>
+              <a:t> </a:t>
+            </a:r>
+            <a:r>
+              <a:rPr lang="fr-FR" sz="8800" dirty="0" err="1"/>
+              <a:t>hamonjy</a:t>
+            </a:r>
+            <a:r>
+              <a:rPr lang="fr-FR" sz="8800" dirty="0"/>
+              <a:t> </a:t>
+            </a:r>
+            <a:r>
+              <a:rPr lang="fr-FR" sz="8800" dirty="0" err="1"/>
+              <a:t>ireny</a:t>
+            </a:r>
+            <a:r>
+              <a:rPr lang="fr-FR" sz="8800" dirty="0"/>
+              <a:t> </a:t>
+            </a:r>
+            <a:r>
+              <a:rPr lang="fr-FR" sz="8800" dirty="0" err="1"/>
+              <a:t>azon'ny</a:t>
+            </a:r>
+            <a:r>
+              <a:rPr lang="fr-FR" sz="8800" dirty="0"/>
+              <a:t> </a:t>
+            </a:r>
+            <a:r>
+              <a:rPr lang="fr-FR" sz="8800" dirty="0" err="1"/>
+              <a:t>manjo</a:t>
+            </a:r>
+            <a:r>
+              <a:rPr lang="fr-FR" sz="8800" dirty="0"/>
+              <a:t>?</a:t>
+            </a:r>
+          </a:p>
+        </p:txBody>
+      </p:sp>
+    </p:spTree>
+  </p:cSld>
+  <p:clrMapOvr>
+    <a:masterClrMapping/>
+  </p:clrMapOvr>
+</p:sld>
+</file>
+
+<file path=ppt/slides/slide12.xml><?xml version="1.0" encoding="utf-8"?>
+<p:sld xmlns:a="http://schemas.openxmlformats.org/drawingml/2006/main" xmlns:r="http://schemas.openxmlformats.org/officeDocument/2006/relationships" xmlns:p="http://schemas.openxmlformats.org/presentationml/2006/main">
+  <p:cSld>
+    <p:spTree>
+      <p:nvGrpSpPr>
+        <p:cNvPr id="1" name=""/>
+        <p:cNvGrpSpPr/>
+        <p:nvPr/>
+      </p:nvGrpSpPr>
+      <p:grpSpPr>
+        <a:xfrm>
+          <a:off x="0" y="0"/>
+          <a:ext cx="0" cy="0"/>
+          <a:chOff x="0" y="0"/>
+          <a:chExt cx="0" cy="0"/>
+        </a:xfrm>
+      </p:grpSpPr>
+      <p:sp>
+        <p:nvSpPr>
+          <p:cNvPr id="5" name="ZoneTexte 4">
+            <a:extLst>
+              <a:ext uri="{FF2B5EF4-FFF2-40B4-BE49-F238E27FC236}">
+                <a16:creationId xmlns:a16="http://schemas.microsoft.com/office/drawing/2014/main" id="{9804E60A-B29A-152C-ADA7-2B664A669BD9}"/>
+              </a:ext>
+            </a:extLst>
+          </p:cNvPr>
+          <p:cNvSpPr txBox="1"/>
+          <p:nvPr/>
+        </p:nvSpPr>
+        <p:spPr>
+          <a:xfrm>
+            <a:off x="0" y="512088"/>
+            <a:ext cx="9144000" cy="5509200"/>
+          </a:xfrm>
+          <a:prstGeom prst="rect">
+            <a:avLst/>
+          </a:prstGeom>
+          <a:noFill/>
+        </p:spPr>
+        <p:txBody>
+          <a:bodyPr wrap="square">
+            <a:spAutoFit/>
+          </a:bodyPr>
+          <a:lstStyle/>
+          <a:p>
+            <a:pPr algn="ctr"/>
+            <a:r>
+              <a:rPr lang="es-ES" sz="8800" dirty="0" err="1"/>
+              <a:t>lza</a:t>
+            </a:r>
+            <a:r>
+              <a:rPr lang="es-ES" sz="8800" dirty="0"/>
+              <a:t> no </a:t>
+            </a:r>
+            <a:r>
+              <a:rPr lang="es-ES" sz="8800" dirty="0" err="1"/>
+              <a:t>hihafy</a:t>
+            </a:r>
+            <a:r>
+              <a:rPr lang="es-ES" sz="8800" dirty="0"/>
+              <a:t> </a:t>
+            </a:r>
+            <a:r>
+              <a:rPr lang="es-ES" sz="8800" dirty="0" err="1"/>
+              <a:t>sady</a:t>
+            </a:r>
+            <a:r>
+              <a:rPr lang="es-ES" sz="8800" dirty="0"/>
+              <a:t> </a:t>
+            </a:r>
+            <a:r>
+              <a:rPr lang="es-ES" sz="8800" dirty="0" err="1"/>
+              <a:t>hanome</a:t>
+            </a:r>
+            <a:endParaRPr lang="es-ES" sz="8800" dirty="0"/>
+          </a:p>
+          <a:p>
+            <a:pPr algn="ctr"/>
+            <a:r>
+              <a:rPr lang="fr-FR" sz="8800" dirty="0" err="1"/>
+              <a:t>Andro</a:t>
+            </a:r>
+            <a:r>
+              <a:rPr lang="fr-FR" sz="8800" dirty="0"/>
+              <a:t>, </a:t>
+            </a:r>
+            <a:r>
+              <a:rPr lang="fr-FR" sz="8800" dirty="0" err="1"/>
+              <a:t>hery</a:t>
+            </a:r>
+            <a:r>
+              <a:rPr lang="fr-FR" sz="8800" dirty="0"/>
+              <a:t>, </a:t>
+            </a:r>
+            <a:r>
+              <a:rPr lang="fr-FR" sz="8800" dirty="0" err="1"/>
+              <a:t>saina</a:t>
+            </a:r>
+            <a:r>
+              <a:rPr lang="fr-FR" sz="8800" dirty="0"/>
+              <a:t>? </a:t>
+            </a:r>
+            <a:r>
+              <a:rPr lang="fr-FR" sz="8800" dirty="0" err="1"/>
+              <a:t>Mamalia</a:t>
+            </a:r>
+            <a:r>
+              <a:rPr lang="fr-FR" sz="8800" dirty="0"/>
+              <a:t> e!</a:t>
+            </a:r>
+          </a:p>
+        </p:txBody>
+      </p:sp>
+    </p:spTree>
+    <p:extLst>
+      <p:ext uri="{BB962C8B-B14F-4D97-AF65-F5344CB8AC3E}">
+        <p14:creationId xmlns:p14="http://schemas.microsoft.com/office/powerpoint/2010/main" val="3398129888"/>
+      </p:ext>
+    </p:extLst>
+  </p:cSld>
+  <p:clrMapOvr>
+    <a:masterClrMapping/>
+  </p:clrMapOvr>
+</p:sld>
+</file>
+
+<file path=ppt/slides/slide13.xml><?xml version="1.0" encoding="utf-8"?>
+<p:sld xmlns:a="http://schemas.openxmlformats.org/drawingml/2006/main" xmlns:r="http://schemas.openxmlformats.org/officeDocument/2006/relationships" xmlns:p="http://schemas.openxmlformats.org/presentationml/2006/main">
+  <p:cSld>
+    <p:spTree>
+      <p:nvGrpSpPr>
+        <p:cNvPr id="1" name=""/>
+        <p:cNvGrpSpPr/>
+        <p:nvPr/>
+      </p:nvGrpSpPr>
+      <p:grpSpPr>
+        <a:xfrm>
+          <a:off x="0" y="0"/>
+          <a:ext cx="0" cy="0"/>
+          <a:chOff x="0" y="0"/>
+          <a:chExt cx="0" cy="0"/>
+        </a:xfrm>
+      </p:grpSpPr>
+      <p:sp>
+        <p:nvSpPr>
+          <p:cNvPr id="5" name="ZoneTexte 4">
+            <a:extLst>
+              <a:ext uri="{FF2B5EF4-FFF2-40B4-BE49-F238E27FC236}">
+                <a16:creationId xmlns:a16="http://schemas.microsoft.com/office/drawing/2014/main" id="{79AE07ED-98B4-C43F-B1DF-C6AE33043E07}"/>
+              </a:ext>
+            </a:extLst>
+          </p:cNvPr>
+          <p:cNvSpPr txBox="1"/>
+          <p:nvPr/>
+        </p:nvSpPr>
+        <p:spPr>
+          <a:xfrm>
+            <a:off x="0" y="572482"/>
+            <a:ext cx="9144000" cy="5016758"/>
+          </a:xfrm>
+          <a:prstGeom prst="rect">
+            <a:avLst/>
+          </a:prstGeom>
+          <a:noFill/>
+        </p:spPr>
+        <p:txBody>
+          <a:bodyPr wrap="square">
+            <a:spAutoFit/>
+          </a:bodyPr>
+          <a:lstStyle/>
+          <a:p>
+            <a:pPr algn="ctr"/>
+            <a:r>
+              <a:rPr lang="fr-FR" sz="8000" b="1" dirty="0" err="1">
+                <a:effectLst>
+                  <a:outerShdw blurRad="38100" dist="38100" dir="2700000" algn="tl">
+                    <a:srgbClr val="000000">
+                      <a:alpha val="43137"/>
+                    </a:srgbClr>
+                  </a:outerShdw>
+                </a:effectLst>
+              </a:rPr>
+              <a:t>Jeso</a:t>
+            </a:r>
+            <a:r>
+              <a:rPr lang="fr-FR" sz="8000" b="1" dirty="0">
+                <a:effectLst>
+                  <a:outerShdw blurRad="38100" dist="38100" dir="2700000" algn="tl">
+                    <a:srgbClr val="000000">
+                      <a:alpha val="43137"/>
+                    </a:srgbClr>
+                  </a:outerShdw>
+                </a:effectLst>
+              </a:rPr>
+              <a:t> </a:t>
+            </a:r>
+            <a:r>
+              <a:rPr lang="fr-FR" sz="8000" b="1" dirty="0" err="1">
+                <a:effectLst>
+                  <a:outerShdw blurRad="38100" dist="38100" dir="2700000" algn="tl">
+                    <a:srgbClr val="000000">
+                      <a:alpha val="43137"/>
+                    </a:srgbClr>
+                  </a:outerShdw>
+                </a:effectLst>
+              </a:rPr>
+              <a:t>Tomponay</a:t>
+            </a:r>
+            <a:r>
+              <a:rPr lang="fr-FR" sz="8000" b="1" dirty="0">
+                <a:effectLst>
+                  <a:outerShdw blurRad="38100" dist="38100" dir="2700000" algn="tl">
+                    <a:srgbClr val="000000">
+                      <a:alpha val="43137"/>
+                    </a:srgbClr>
+                  </a:outerShdw>
+                </a:effectLst>
+              </a:rPr>
+              <a:t> ô! </a:t>
+            </a:r>
+            <a:r>
+              <a:rPr lang="fr-FR" sz="8000" b="1" dirty="0" err="1">
+                <a:effectLst>
+                  <a:outerShdw blurRad="38100" dist="38100" dir="2700000" algn="tl">
+                    <a:srgbClr val="000000">
+                      <a:alpha val="43137"/>
+                    </a:srgbClr>
+                  </a:outerShdw>
+                </a:effectLst>
+              </a:rPr>
+              <a:t>Indreto</a:t>
+            </a:r>
+            <a:r>
+              <a:rPr lang="fr-FR" sz="8000" b="1" dirty="0">
+                <a:effectLst>
+                  <a:outerShdw blurRad="38100" dist="38100" dir="2700000" algn="tl">
+                    <a:srgbClr val="000000">
+                      <a:alpha val="43137"/>
+                    </a:srgbClr>
+                  </a:outerShdw>
+                </a:effectLst>
+              </a:rPr>
+              <a:t> </a:t>
+            </a:r>
+            <a:r>
+              <a:rPr lang="fr-FR" sz="8000" b="1" dirty="0" err="1">
+                <a:effectLst>
+                  <a:outerShdw blurRad="38100" dist="38100" dir="2700000" algn="tl">
+                    <a:srgbClr val="000000">
+                      <a:alpha val="43137"/>
+                    </a:srgbClr>
+                  </a:outerShdw>
+                </a:effectLst>
+              </a:rPr>
+              <a:t>izahay</a:t>
+            </a:r>
+            <a:r>
+              <a:rPr lang="fr-FR" sz="8000" b="1" dirty="0">
+                <a:effectLst>
+                  <a:outerShdw blurRad="38100" dist="38100" dir="2700000" algn="tl">
+                    <a:srgbClr val="000000">
+                      <a:alpha val="43137"/>
+                    </a:srgbClr>
+                  </a:outerShdw>
+                </a:effectLst>
+              </a:rPr>
+              <a:t>,</a:t>
+            </a:r>
+          </a:p>
+          <a:p>
+            <a:pPr algn="ctr"/>
+            <a:r>
+              <a:rPr lang="fr-FR" sz="8000" b="1" dirty="0">
+                <a:effectLst>
+                  <a:outerShdw blurRad="38100" dist="38100" dir="2700000" algn="tl">
+                    <a:srgbClr val="000000">
+                      <a:alpha val="43137"/>
+                    </a:srgbClr>
+                  </a:outerShdw>
+                </a:effectLst>
+              </a:rPr>
+              <a:t>Avy </a:t>
+            </a:r>
+            <a:r>
+              <a:rPr lang="fr-FR" sz="8000" b="1" dirty="0" err="1">
+                <a:effectLst>
+                  <a:outerShdw blurRad="38100" dist="38100" dir="2700000" algn="tl">
+                    <a:srgbClr val="000000">
+                      <a:alpha val="43137"/>
+                    </a:srgbClr>
+                  </a:outerShdw>
+                </a:effectLst>
+              </a:rPr>
+              <a:t>mba</a:t>
+            </a:r>
+            <a:r>
+              <a:rPr lang="fr-FR" sz="8000" b="1" dirty="0">
+                <a:effectLst>
+                  <a:outerShdw blurRad="38100" dist="38100" dir="2700000" algn="tl">
+                    <a:srgbClr val="000000">
+                      <a:alpha val="43137"/>
+                    </a:srgbClr>
+                  </a:outerShdw>
+                </a:effectLst>
+              </a:rPr>
+              <a:t> </a:t>
+            </a:r>
+            <a:r>
+              <a:rPr lang="fr-FR" sz="8000" b="1" dirty="0" err="1">
+                <a:effectLst>
+                  <a:outerShdw blurRad="38100" dist="38100" dir="2700000" algn="tl">
+                    <a:srgbClr val="000000">
+                      <a:alpha val="43137"/>
+                    </a:srgbClr>
+                  </a:outerShdw>
+                </a:effectLst>
+              </a:rPr>
+              <a:t>hanaiky</a:t>
+            </a:r>
+            <a:r>
+              <a:rPr lang="fr-FR" sz="8000" b="1" dirty="0">
+                <a:effectLst>
+                  <a:outerShdw blurRad="38100" dist="38100" dir="2700000" algn="tl">
+                    <a:srgbClr val="000000">
+                      <a:alpha val="43137"/>
+                    </a:srgbClr>
+                  </a:outerShdw>
+                </a:effectLst>
+              </a:rPr>
+              <a:t>, </a:t>
+            </a:r>
+          </a:p>
+          <a:p>
+            <a:pPr algn="ctr"/>
+            <a:r>
+              <a:rPr lang="fr-FR" sz="8000" b="1" dirty="0">
+                <a:effectLst>
+                  <a:outerShdw blurRad="38100" dist="38100" dir="2700000" algn="tl">
+                    <a:srgbClr val="000000">
+                      <a:alpha val="43137"/>
+                    </a:srgbClr>
+                  </a:outerShdw>
+                </a:effectLst>
+              </a:rPr>
+              <a:t>ka </a:t>
+            </a:r>
+            <a:r>
+              <a:rPr lang="fr-FR" sz="8000" b="1" dirty="0" err="1">
+                <a:effectLst>
+                  <a:outerShdw blurRad="38100" dist="38100" dir="2700000" algn="tl">
+                    <a:srgbClr val="000000">
+                      <a:alpha val="43137"/>
+                    </a:srgbClr>
+                  </a:outerShdw>
+                </a:effectLst>
+              </a:rPr>
+              <a:t>mandraisa</a:t>
+            </a:r>
+            <a:r>
+              <a:rPr lang="fr-FR" sz="8000" b="1" dirty="0">
+                <a:effectLst>
+                  <a:outerShdw blurRad="38100" dist="38100" dir="2700000" algn="tl">
+                    <a:srgbClr val="000000">
+                      <a:alpha val="43137"/>
+                    </a:srgbClr>
+                  </a:outerShdw>
+                </a:effectLst>
+              </a:rPr>
+              <a:t> </a:t>
+            </a:r>
+            <a:r>
+              <a:rPr lang="fr-FR" sz="8000" b="1" dirty="0" err="1">
+                <a:effectLst>
+                  <a:outerShdw blurRad="38100" dist="38100" dir="2700000" algn="tl">
+                    <a:srgbClr val="000000">
+                      <a:alpha val="43137"/>
+                    </a:srgbClr>
+                  </a:outerShdw>
+                </a:effectLst>
+              </a:rPr>
+              <a:t>anay</a:t>
+            </a:r>
+            <a:r>
+              <a:rPr lang="fr-FR" sz="8000" b="1" dirty="0">
+                <a:effectLst>
+                  <a:outerShdw blurRad="38100" dist="38100" dir="2700000" algn="tl">
+                    <a:srgbClr val="000000">
+                      <a:alpha val="43137"/>
+                    </a:srgbClr>
+                  </a:outerShdw>
+                </a:effectLst>
+              </a:rPr>
+              <a:t>.</a:t>
+            </a:r>
+          </a:p>
+        </p:txBody>
+      </p:sp>
+    </p:spTree>
+    <p:extLst>
+      <p:ext uri="{BB962C8B-B14F-4D97-AF65-F5344CB8AC3E}">
+        <p14:creationId xmlns:p14="http://schemas.microsoft.com/office/powerpoint/2010/main" val="3704584867"/>
+      </p:ext>
+    </p:extLst>
+  </p:cSld>
+  <p:clrMapOvr>
+    <a:masterClrMapping/>
+  </p:clrMapOvr>
+</p:sld>
+</file>
+
+<file path=ppt/slides/slide14.xml><?xml version="1.0" encoding="utf-8"?>
+<p:sld xmlns:a="http://schemas.openxmlformats.org/drawingml/2006/main" xmlns:r="http://schemas.openxmlformats.org/officeDocument/2006/relationships" xmlns:p="http://schemas.openxmlformats.org/presentationml/2006/main">
+  <p:cSld>
+    <p:spTree>
+      <p:nvGrpSpPr>
+        <p:cNvPr id="1" name=""/>
+        <p:cNvGrpSpPr/>
+        <p:nvPr/>
+      </p:nvGrpSpPr>
+      <p:grpSpPr>
+        <a:xfrm>
+          <a:off x="0" y="0"/>
+          <a:ext cx="0" cy="0"/>
+          <a:chOff x="0" y="0"/>
+          <a:chExt cx="0" cy="0"/>
+        </a:xfrm>
+      </p:grpSpPr>
+      <p:sp>
+        <p:nvSpPr>
+          <p:cNvPr id="7" name="Rectangle 6"/>
+          <p:cNvSpPr/>
+          <p:nvPr/>
+        </p:nvSpPr>
+        <p:spPr>
+          <a:xfrm>
+            <a:off x="0" y="44624"/>
+            <a:ext cx="9144000" cy="6863417"/>
+          </a:xfrm>
+          <a:prstGeom prst="rect">
+            <a:avLst/>
+          </a:prstGeom>
+        </p:spPr>
+        <p:txBody>
+          <a:bodyPr wrap="square">
+            <a:spAutoFit/>
+          </a:bodyPr>
+          <a:lstStyle/>
+          <a:p>
+            <a:pPr algn="ctr"/>
+            <a:r>
+              <a:rPr lang="fr-FR" sz="8800" dirty="0"/>
+              <a:t>5. </a:t>
+            </a:r>
+            <a:r>
+              <a:rPr lang="fr-FR" sz="8800" dirty="0" err="1"/>
+              <a:t>lza</a:t>
+            </a:r>
+            <a:r>
+              <a:rPr lang="fr-FR" sz="8800" dirty="0"/>
+              <a:t> no </a:t>
+            </a:r>
+            <a:r>
+              <a:rPr lang="fr-FR" sz="8800" dirty="0" err="1"/>
+              <a:t>hazoto</a:t>
+            </a:r>
+            <a:r>
+              <a:rPr lang="fr-FR" sz="8800" dirty="0"/>
+              <a:t> </a:t>
+            </a:r>
+            <a:r>
+              <a:rPr lang="fr-FR" sz="8800" dirty="0" err="1"/>
+              <a:t>mba</a:t>
+            </a:r>
+            <a:r>
+              <a:rPr lang="fr-FR" sz="8800" dirty="0"/>
+              <a:t> </a:t>
+            </a:r>
+            <a:r>
+              <a:rPr lang="fr-FR" sz="8800" dirty="0" err="1"/>
+              <a:t>hiasa</a:t>
+            </a:r>
+            <a:r>
+              <a:rPr lang="fr-FR" sz="8800" dirty="0"/>
+              <a:t> </a:t>
+            </a:r>
+            <a:r>
+              <a:rPr lang="fr-FR" sz="8800" dirty="0" err="1"/>
+              <a:t>moa</a:t>
+            </a:r>
+            <a:r>
+              <a:rPr lang="fr-FR" sz="8800" dirty="0"/>
+              <a:t>?</a:t>
+            </a:r>
+          </a:p>
+          <a:p>
+            <a:pPr algn="ctr"/>
+            <a:r>
+              <a:rPr lang="nn-NO" sz="8800" dirty="0"/>
+              <a:t>lza no handroso mba ho hendry koa?</a:t>
+            </a:r>
+          </a:p>
+        </p:txBody>
+      </p:sp>
+    </p:spTree>
+  </p:cSld>
+  <p:clrMapOvr>
+    <a:masterClrMapping/>
+  </p:clrMapOvr>
+</p:sld>
+</file>
+
+<file path=ppt/slides/slide15.xml><?xml version="1.0" encoding="utf-8"?>
+<p:sld xmlns:a="http://schemas.openxmlformats.org/drawingml/2006/main" xmlns:r="http://schemas.openxmlformats.org/officeDocument/2006/relationships" xmlns:p="http://schemas.openxmlformats.org/presentationml/2006/main">
+  <p:cSld>
+    <p:spTree>
+      <p:nvGrpSpPr>
+        <p:cNvPr id="1" name=""/>
+        <p:cNvGrpSpPr/>
+        <p:nvPr/>
+      </p:nvGrpSpPr>
+      <p:grpSpPr>
+        <a:xfrm>
+          <a:off x="0" y="0"/>
+          <a:ext cx="0" cy="0"/>
+          <a:chOff x="0" y="0"/>
+          <a:chExt cx="0" cy="0"/>
+        </a:xfrm>
+      </p:grpSpPr>
+      <p:sp>
+        <p:nvSpPr>
+          <p:cNvPr id="5" name="ZoneTexte 4">
+            <a:extLst>
+              <a:ext uri="{FF2B5EF4-FFF2-40B4-BE49-F238E27FC236}">
+                <a16:creationId xmlns:a16="http://schemas.microsoft.com/office/drawing/2014/main" id="{0A471D84-A06E-3412-58B6-BEA3E9AFDC60}"/>
+              </a:ext>
+            </a:extLst>
+          </p:cNvPr>
+          <p:cNvSpPr txBox="1"/>
+          <p:nvPr/>
+        </p:nvSpPr>
+        <p:spPr>
+          <a:xfrm>
+            <a:off x="0" y="307677"/>
+            <a:ext cx="9144000" cy="6001643"/>
+          </a:xfrm>
+          <a:prstGeom prst="rect">
+            <a:avLst/>
+          </a:prstGeom>
+          <a:noFill/>
+        </p:spPr>
+        <p:txBody>
+          <a:bodyPr wrap="square">
+            <a:spAutoFit/>
+          </a:bodyPr>
+          <a:lstStyle/>
+          <a:p>
+            <a:pPr algn="ctr"/>
+            <a:r>
+              <a:rPr lang="es-ES" sz="9600" dirty="0" err="1"/>
+              <a:t>lza</a:t>
+            </a:r>
+            <a:r>
+              <a:rPr lang="es-ES" sz="9600" dirty="0"/>
+              <a:t> no </a:t>
+            </a:r>
+            <a:r>
+              <a:rPr lang="es-ES" sz="9600" dirty="0" err="1"/>
+              <a:t>hanaiky</a:t>
+            </a:r>
+            <a:r>
+              <a:rPr lang="es-ES" sz="9600" dirty="0"/>
+              <a:t>, iza re? </a:t>
+            </a:r>
+            <a:r>
+              <a:rPr lang="es-ES" sz="9600" dirty="0" err="1"/>
+              <a:t>lazao</a:t>
+            </a:r>
+            <a:r>
+              <a:rPr lang="es-ES" sz="9600" dirty="0"/>
+              <a:t>!</a:t>
+            </a:r>
+          </a:p>
+          <a:p>
+            <a:pPr algn="ctr"/>
+            <a:r>
+              <a:rPr lang="it-IT" sz="9600" dirty="0"/>
+              <a:t>Mba ho an'i Jeso izao anio izao:</a:t>
+            </a:r>
+          </a:p>
+        </p:txBody>
+      </p:sp>
+    </p:spTree>
+    <p:extLst>
+      <p:ext uri="{BB962C8B-B14F-4D97-AF65-F5344CB8AC3E}">
+        <p14:creationId xmlns:p14="http://schemas.microsoft.com/office/powerpoint/2010/main" val="3547815773"/>
+      </p:ext>
+    </p:extLst>
+  </p:cSld>
+  <p:clrMapOvr>
+    <a:masterClrMapping/>
+  </p:clrMapOvr>
+</p:sld>
+</file>
+
+<file path=ppt/slides/slide16.xml><?xml version="1.0" encoding="utf-8"?>
+<p:sld xmlns:a="http://schemas.openxmlformats.org/drawingml/2006/main" xmlns:r="http://schemas.openxmlformats.org/officeDocument/2006/relationships" xmlns:p="http://schemas.openxmlformats.org/presentationml/2006/main">
+  <p:cSld>
+    <p:spTree>
+      <p:nvGrpSpPr>
+        <p:cNvPr id="1" name=""/>
+        <p:cNvGrpSpPr/>
+        <p:nvPr/>
+      </p:nvGrpSpPr>
+      <p:grpSpPr>
+        <a:xfrm>
+          <a:off x="0" y="0"/>
+          <a:ext cx="0" cy="0"/>
+          <a:chOff x="0" y="0"/>
+          <a:chExt cx="0" cy="0"/>
+        </a:xfrm>
+      </p:grpSpPr>
+      <p:sp>
+        <p:nvSpPr>
+          <p:cNvPr id="5" name="ZoneTexte 4">
+            <a:extLst>
+              <a:ext uri="{FF2B5EF4-FFF2-40B4-BE49-F238E27FC236}">
+                <a16:creationId xmlns:a16="http://schemas.microsoft.com/office/drawing/2014/main" id="{79AE07ED-98B4-C43F-B1DF-C6AE33043E07}"/>
+              </a:ext>
+            </a:extLst>
+          </p:cNvPr>
+          <p:cNvSpPr txBox="1"/>
+          <p:nvPr/>
+        </p:nvSpPr>
+        <p:spPr>
+          <a:xfrm>
+            <a:off x="0" y="572482"/>
+            <a:ext cx="9144000" cy="5016758"/>
+          </a:xfrm>
+          <a:prstGeom prst="rect">
+            <a:avLst/>
+          </a:prstGeom>
+          <a:noFill/>
+        </p:spPr>
+        <p:txBody>
+          <a:bodyPr wrap="square">
+            <a:spAutoFit/>
+          </a:bodyPr>
+          <a:lstStyle/>
+          <a:p>
+            <a:pPr algn="ctr"/>
+            <a:r>
+              <a:rPr lang="fr-FR" sz="8000" b="1" dirty="0" err="1">
+                <a:effectLst>
+                  <a:outerShdw blurRad="38100" dist="38100" dir="2700000" algn="tl">
+                    <a:srgbClr val="000000">
+                      <a:alpha val="43137"/>
+                    </a:srgbClr>
+                  </a:outerShdw>
+                </a:effectLst>
+              </a:rPr>
+              <a:t>Jeso</a:t>
+            </a:r>
+            <a:r>
+              <a:rPr lang="fr-FR" sz="8000" b="1" dirty="0">
+                <a:effectLst>
+                  <a:outerShdw blurRad="38100" dist="38100" dir="2700000" algn="tl">
+                    <a:srgbClr val="000000">
+                      <a:alpha val="43137"/>
+                    </a:srgbClr>
+                  </a:outerShdw>
+                </a:effectLst>
+              </a:rPr>
+              <a:t> </a:t>
+            </a:r>
+            <a:r>
+              <a:rPr lang="fr-FR" sz="8000" b="1" dirty="0" err="1">
+                <a:effectLst>
+                  <a:outerShdw blurRad="38100" dist="38100" dir="2700000" algn="tl">
+                    <a:srgbClr val="000000">
+                      <a:alpha val="43137"/>
+                    </a:srgbClr>
+                  </a:outerShdw>
+                </a:effectLst>
+              </a:rPr>
+              <a:t>Tomponay</a:t>
+            </a:r>
+            <a:r>
+              <a:rPr lang="fr-FR" sz="8000" b="1" dirty="0">
+                <a:effectLst>
+                  <a:outerShdw blurRad="38100" dist="38100" dir="2700000" algn="tl">
+                    <a:srgbClr val="000000">
+                      <a:alpha val="43137"/>
+                    </a:srgbClr>
+                  </a:outerShdw>
+                </a:effectLst>
+              </a:rPr>
+              <a:t> ô! </a:t>
+            </a:r>
+            <a:r>
+              <a:rPr lang="fr-FR" sz="8000" b="1" dirty="0" err="1">
+                <a:effectLst>
+                  <a:outerShdw blurRad="38100" dist="38100" dir="2700000" algn="tl">
+                    <a:srgbClr val="000000">
+                      <a:alpha val="43137"/>
+                    </a:srgbClr>
+                  </a:outerShdw>
+                </a:effectLst>
+              </a:rPr>
+              <a:t>Indreto</a:t>
+            </a:r>
+            <a:r>
+              <a:rPr lang="fr-FR" sz="8000" b="1" dirty="0">
+                <a:effectLst>
+                  <a:outerShdw blurRad="38100" dist="38100" dir="2700000" algn="tl">
+                    <a:srgbClr val="000000">
+                      <a:alpha val="43137"/>
+                    </a:srgbClr>
+                  </a:outerShdw>
+                </a:effectLst>
+              </a:rPr>
+              <a:t> </a:t>
+            </a:r>
+            <a:r>
+              <a:rPr lang="fr-FR" sz="8000" b="1" dirty="0" err="1">
+                <a:effectLst>
+                  <a:outerShdw blurRad="38100" dist="38100" dir="2700000" algn="tl">
+                    <a:srgbClr val="000000">
+                      <a:alpha val="43137"/>
+                    </a:srgbClr>
+                  </a:outerShdw>
+                </a:effectLst>
+              </a:rPr>
+              <a:t>izahay</a:t>
+            </a:r>
+            <a:r>
+              <a:rPr lang="fr-FR" sz="8000" b="1" dirty="0">
+                <a:effectLst>
+                  <a:outerShdw blurRad="38100" dist="38100" dir="2700000" algn="tl">
+                    <a:srgbClr val="000000">
+                      <a:alpha val="43137"/>
+                    </a:srgbClr>
+                  </a:outerShdw>
+                </a:effectLst>
+              </a:rPr>
+              <a:t>,</a:t>
+            </a:r>
+          </a:p>
+          <a:p>
+            <a:pPr algn="ctr"/>
+            <a:r>
+              <a:rPr lang="fr-FR" sz="8000" b="1" dirty="0">
+                <a:effectLst>
+                  <a:outerShdw blurRad="38100" dist="38100" dir="2700000" algn="tl">
+                    <a:srgbClr val="000000">
+                      <a:alpha val="43137"/>
+                    </a:srgbClr>
+                  </a:outerShdw>
+                </a:effectLst>
+              </a:rPr>
+              <a:t>Avy </a:t>
+            </a:r>
+            <a:r>
+              <a:rPr lang="fr-FR" sz="8000" b="1" dirty="0" err="1">
+                <a:effectLst>
+                  <a:outerShdw blurRad="38100" dist="38100" dir="2700000" algn="tl">
+                    <a:srgbClr val="000000">
+                      <a:alpha val="43137"/>
+                    </a:srgbClr>
+                  </a:outerShdw>
+                </a:effectLst>
+              </a:rPr>
+              <a:t>mba</a:t>
+            </a:r>
+            <a:r>
+              <a:rPr lang="fr-FR" sz="8000" b="1" dirty="0">
+                <a:effectLst>
+                  <a:outerShdw blurRad="38100" dist="38100" dir="2700000" algn="tl">
+                    <a:srgbClr val="000000">
+                      <a:alpha val="43137"/>
+                    </a:srgbClr>
+                  </a:outerShdw>
+                </a:effectLst>
+              </a:rPr>
+              <a:t> </a:t>
+            </a:r>
+            <a:r>
+              <a:rPr lang="fr-FR" sz="8000" b="1" dirty="0" err="1">
+                <a:effectLst>
+                  <a:outerShdw blurRad="38100" dist="38100" dir="2700000" algn="tl">
+                    <a:srgbClr val="000000">
+                      <a:alpha val="43137"/>
+                    </a:srgbClr>
+                  </a:outerShdw>
+                </a:effectLst>
+              </a:rPr>
+              <a:t>hanaiky</a:t>
+            </a:r>
+            <a:r>
+              <a:rPr lang="fr-FR" sz="8000" b="1" dirty="0">
+                <a:effectLst>
+                  <a:outerShdw blurRad="38100" dist="38100" dir="2700000" algn="tl">
+                    <a:srgbClr val="000000">
+                      <a:alpha val="43137"/>
+                    </a:srgbClr>
+                  </a:outerShdw>
+                </a:effectLst>
+              </a:rPr>
+              <a:t>, </a:t>
+            </a:r>
+          </a:p>
+          <a:p>
+            <a:pPr algn="ctr"/>
+            <a:r>
+              <a:rPr lang="fr-FR" sz="8000" b="1" dirty="0">
+                <a:effectLst>
+                  <a:outerShdw blurRad="38100" dist="38100" dir="2700000" algn="tl">
+                    <a:srgbClr val="000000">
+                      <a:alpha val="43137"/>
+                    </a:srgbClr>
+                  </a:outerShdw>
+                </a:effectLst>
+              </a:rPr>
+              <a:t>ka </a:t>
+            </a:r>
+            <a:r>
+              <a:rPr lang="fr-FR" sz="8000" b="1" dirty="0" err="1">
+                <a:effectLst>
+                  <a:outerShdw blurRad="38100" dist="38100" dir="2700000" algn="tl">
+                    <a:srgbClr val="000000">
+                      <a:alpha val="43137"/>
+                    </a:srgbClr>
+                  </a:outerShdw>
+                </a:effectLst>
+              </a:rPr>
+              <a:t>mandraisa</a:t>
+            </a:r>
+            <a:r>
+              <a:rPr lang="fr-FR" sz="8000" b="1" dirty="0">
+                <a:effectLst>
+                  <a:outerShdw blurRad="38100" dist="38100" dir="2700000" algn="tl">
+                    <a:srgbClr val="000000">
+                      <a:alpha val="43137"/>
+                    </a:srgbClr>
+                  </a:outerShdw>
+                </a:effectLst>
+              </a:rPr>
+              <a:t> </a:t>
+            </a:r>
+            <a:r>
+              <a:rPr lang="fr-FR" sz="8000" b="1" dirty="0" err="1">
+                <a:effectLst>
+                  <a:outerShdw blurRad="38100" dist="38100" dir="2700000" algn="tl">
+                    <a:srgbClr val="000000">
+                      <a:alpha val="43137"/>
+                    </a:srgbClr>
+                  </a:outerShdw>
+                </a:effectLst>
+              </a:rPr>
+              <a:t>anay</a:t>
+            </a:r>
+            <a:r>
+              <a:rPr lang="fr-FR" sz="8000" b="1" dirty="0">
+                <a:effectLst>
+                  <a:outerShdw blurRad="38100" dist="38100" dir="2700000" algn="tl">
+                    <a:srgbClr val="000000">
+                      <a:alpha val="43137"/>
+                    </a:srgbClr>
+                  </a:outerShdw>
+                </a:effectLst>
+              </a:rPr>
+              <a:t>.</a:t>
+            </a:r>
+          </a:p>
+        </p:txBody>
+      </p:sp>
+    </p:spTree>
+    <p:extLst>
+      <p:ext uri="{BB962C8B-B14F-4D97-AF65-F5344CB8AC3E}">
+        <p14:creationId xmlns:p14="http://schemas.microsoft.com/office/powerpoint/2010/main" val="344207233"/>
+      </p:ext>
+    </p:extLst>
   </p:cSld>
   <p:clrMapOvr>
     <a:masterClrMapping/>
@@ -3228,8 +4531,8 @@
         </p:nvSpPr>
         <p:spPr>
           <a:xfrm>
-            <a:off x="714348" y="500042"/>
-            <a:ext cx="7715304" cy="5909310"/>
+            <a:off x="0" y="584096"/>
+            <a:ext cx="9144000" cy="5509200"/>
           </a:xfrm>
           <a:prstGeom prst="rect">
             <a:avLst/>
@@ -3241,258 +4544,88 @@
           </a:bodyPr>
           <a:lstStyle/>
           <a:p>
-            <a:pPr algn="ctr">
-              <a:lnSpc>
-                <a:spcPct val="150000"/>
-              </a:lnSpc>
-            </a:pPr>
-            <a:r>
-              <a:rPr lang="fr-FR" sz="3600" dirty="0"/>
+            <a:pPr algn="ctr"/>
+            <a:r>
+              <a:rPr lang="fr-FR" sz="8800" dirty="0"/>
               <a:t>1. </a:t>
             </a:r>
             <a:r>
-              <a:rPr lang="fr-FR" sz="3600" dirty="0" err="1"/>
+              <a:rPr lang="fr-FR" sz="8800" dirty="0" err="1"/>
               <a:t>lza</a:t>
             </a:r>
             <a:r>
-              <a:rPr lang="fr-FR" sz="3600" dirty="0"/>
+              <a:rPr lang="fr-FR" sz="8800" dirty="0"/>
               <a:t> no </a:t>
             </a:r>
             <a:r>
-              <a:rPr lang="fr-FR" sz="3600" dirty="0" err="1"/>
+              <a:rPr lang="fr-FR" sz="8800" dirty="0" err="1"/>
               <a:t>hanompo</a:t>
             </a:r>
             <a:r>
-              <a:rPr lang="fr-FR" sz="3600" dirty="0"/>
+              <a:rPr lang="fr-FR" sz="8800" dirty="0"/>
               <a:t> </a:t>
             </a:r>
             <a:r>
-              <a:rPr lang="fr-FR" sz="3600" dirty="0" err="1"/>
+              <a:rPr lang="fr-FR" sz="8800" dirty="0" err="1"/>
               <a:t>an'i</a:t>
             </a:r>
             <a:r>
-              <a:rPr lang="fr-FR" sz="3600" dirty="0"/>
+              <a:rPr lang="fr-FR" sz="8800" dirty="0"/>
               <a:t> </a:t>
             </a:r>
             <a:r>
-              <a:rPr lang="fr-FR" sz="3600" dirty="0" err="1"/>
+              <a:rPr lang="fr-FR" sz="8800" dirty="0" err="1"/>
               <a:t>Jeso</a:t>
             </a:r>
             <a:r>
-              <a:rPr lang="fr-FR" sz="3600" dirty="0"/>
+              <a:rPr lang="fr-FR" sz="8800" dirty="0"/>
               <a:t> </a:t>
             </a:r>
             <a:r>
-              <a:rPr lang="fr-FR" sz="3600" dirty="0" err="1"/>
+              <a:rPr lang="fr-FR" sz="8800" dirty="0" err="1"/>
               <a:t>soa</a:t>
             </a:r>
             <a:r>
-              <a:rPr lang="fr-FR" sz="3600" dirty="0"/>
+              <a:rPr lang="fr-FR" sz="8800" dirty="0"/>
               <a:t>?</a:t>
             </a:r>
           </a:p>
           <a:p>
-            <a:pPr algn="ctr">
-              <a:lnSpc>
-                <a:spcPct val="150000"/>
-              </a:lnSpc>
-            </a:pPr>
-            <a:r>
-              <a:rPr lang="fr-FR" sz="3600" dirty="0" err="1"/>
+            <a:pPr algn="ctr"/>
+            <a:r>
+              <a:rPr lang="fr-FR" sz="8800" dirty="0" err="1"/>
               <a:t>lza</a:t>
             </a:r>
             <a:r>
-              <a:rPr lang="fr-FR" sz="3600" dirty="0"/>
+              <a:rPr lang="fr-FR" sz="8800" dirty="0"/>
               <a:t> no </a:t>
             </a:r>
             <a:r>
-              <a:rPr lang="fr-FR" sz="3600" dirty="0" err="1"/>
+              <a:rPr lang="fr-FR" sz="8800" dirty="0" err="1"/>
               <a:t>hanaiky</a:t>
             </a:r>
             <a:r>
-              <a:rPr lang="fr-FR" sz="3600" dirty="0"/>
+              <a:rPr lang="fr-FR" sz="8800" dirty="0"/>
               <a:t>, </a:t>
             </a:r>
-            <a:r>
-              <a:rPr lang="fr-FR" sz="3600" dirty="0" err="1"/>
+          </a:p>
+          <a:p>
+            <a:pPr algn="ctr"/>
+            <a:r>
+              <a:rPr lang="fr-FR" sz="8800" dirty="0" err="1"/>
               <a:t>mba</a:t>
             </a:r>
             <a:r>
-              <a:rPr lang="fr-FR" sz="3600" dirty="0"/>
-              <a:t> ho </a:t>
-            </a:r>
-            <a:r>
-              <a:rPr lang="fr-FR" sz="3600" dirty="0" err="1"/>
-              <a:t>Azy</a:t>
-            </a:r>
-            <a:r>
-              <a:rPr lang="fr-FR" sz="3600" dirty="0"/>
-              <a:t> </a:t>
-            </a:r>
-            <a:r>
-              <a:rPr lang="fr-FR" sz="3600" dirty="0" err="1"/>
+              <a:rPr lang="fr-FR" sz="8800" dirty="0"/>
+              <a:t> ho Azy </a:t>
+            </a:r>
+            <a:r>
+              <a:rPr lang="fr-FR" sz="8800" dirty="0" err="1"/>
               <a:t>moa</a:t>
             </a:r>
             <a:r>
-              <a:rPr lang="fr-FR" sz="3600" dirty="0"/>
+              <a:rPr lang="fr-FR" sz="8800" dirty="0"/>
               <a:t>?</a:t>
-            </a:r>
-          </a:p>
-          <a:p>
-            <a:pPr algn="ctr">
-              <a:lnSpc>
-                <a:spcPct val="150000"/>
-              </a:lnSpc>
-            </a:pPr>
-            <a:r>
-              <a:rPr lang="en-US" sz="3600" dirty="0"/>
-              <a:t>He </a:t>
-            </a:r>
-            <a:r>
-              <a:rPr lang="en-US" sz="3600" dirty="0" err="1"/>
-              <a:t>ny</a:t>
-            </a:r>
-            <a:r>
-              <a:rPr lang="en-US" sz="3600" dirty="0"/>
-              <a:t> </a:t>
-            </a:r>
-            <a:r>
-              <a:rPr lang="en-US" sz="3600" dirty="0" err="1"/>
-              <a:t>hatsarany</a:t>
-            </a:r>
-            <a:r>
-              <a:rPr lang="en-US" sz="3600" dirty="0"/>
-              <a:t>! He </a:t>
-            </a:r>
-            <a:r>
-              <a:rPr lang="en-US" sz="3600" dirty="0" err="1"/>
-              <a:t>ny</a:t>
-            </a:r>
-            <a:r>
-              <a:rPr lang="en-US" sz="3600" dirty="0"/>
-              <a:t> </a:t>
-            </a:r>
-            <a:r>
-              <a:rPr lang="en-US" sz="3600" dirty="0" err="1"/>
-              <a:t>antra</a:t>
-            </a:r>
-            <a:r>
-              <a:rPr lang="en-US" sz="3600" dirty="0"/>
-              <a:t> be!</a:t>
-            </a:r>
-          </a:p>
-          <a:p>
-            <a:pPr algn="ctr">
-              <a:lnSpc>
-                <a:spcPct val="150000"/>
-              </a:lnSpc>
-            </a:pPr>
-            <a:r>
-              <a:rPr lang="pl-PL" sz="3600" dirty="0"/>
-              <a:t>Izy ta hamonjy ka meteza re</a:t>
-            </a:r>
-            <a:r>
-              <a:rPr lang="pl-PL" sz="3600" dirty="0" smtClean="0"/>
-              <a:t>.</a:t>
-            </a:r>
-            <a:endParaRPr lang="fr-FR" sz="3600" dirty="0" smtClean="0"/>
-          </a:p>
-          <a:p>
-            <a:pPr algn="ctr">
-              <a:lnSpc>
-                <a:spcPct val="150000"/>
-              </a:lnSpc>
-            </a:pPr>
-            <a:r>
-              <a:rPr lang="fr-FR" sz="3600" dirty="0" smtClean="0"/>
-              <a:t>Réf:</a:t>
-            </a:r>
-            <a:endParaRPr lang="pl-PL" sz="3600" dirty="0"/>
-          </a:p>
-          <a:p>
-            <a:pPr algn="ctr">
-              <a:lnSpc>
-                <a:spcPct val="150000"/>
-              </a:lnSpc>
-            </a:pPr>
-            <a:r>
-              <a:rPr lang="fr-FR" sz="3600" dirty="0" err="1" smtClean="0"/>
-              <a:t>Jeso</a:t>
-            </a:r>
-            <a:r>
-              <a:rPr lang="fr-FR" sz="3600" dirty="0" smtClean="0"/>
-              <a:t> </a:t>
-            </a:r>
-            <a:r>
-              <a:rPr lang="fr-FR" sz="3600" dirty="0" err="1"/>
-              <a:t>Tomponay</a:t>
-            </a:r>
-            <a:r>
-              <a:rPr lang="fr-FR" sz="3600" dirty="0"/>
-              <a:t> ô! </a:t>
-            </a:r>
-            <a:r>
-              <a:rPr lang="fr-FR" sz="3600" dirty="0" err="1"/>
-              <a:t>Indreto</a:t>
-            </a:r>
-            <a:r>
-              <a:rPr lang="fr-FR" sz="3600" dirty="0"/>
-              <a:t> </a:t>
-            </a:r>
-            <a:r>
-              <a:rPr lang="fr-FR" sz="3600" dirty="0" err="1"/>
-              <a:t>izahay</a:t>
-            </a:r>
-            <a:r>
-              <a:rPr lang="fr-FR" sz="3600" dirty="0"/>
-              <a:t>,</a:t>
-            </a:r>
-          </a:p>
-          <a:p>
-            <a:pPr algn="ctr">
-              <a:lnSpc>
-                <a:spcPct val="150000"/>
-              </a:lnSpc>
-            </a:pPr>
-            <a:r>
-              <a:rPr lang="fr-FR" sz="3600" dirty="0" err="1"/>
-              <a:t>Avy</a:t>
-            </a:r>
-            <a:r>
-              <a:rPr lang="fr-FR" sz="3600" dirty="0"/>
-              <a:t> </a:t>
-            </a:r>
-            <a:r>
-              <a:rPr lang="fr-FR" sz="3600" dirty="0" err="1"/>
-              <a:t>mba</a:t>
-            </a:r>
-            <a:r>
-              <a:rPr lang="fr-FR" sz="3600" dirty="0"/>
-              <a:t> </a:t>
-            </a:r>
-            <a:r>
-              <a:rPr lang="fr-FR" sz="3600" dirty="0" err="1"/>
-              <a:t>hanaiky</a:t>
-            </a:r>
-            <a:r>
-              <a:rPr lang="fr-FR" sz="3600" dirty="0"/>
-              <a:t>, ka </a:t>
-            </a:r>
-            <a:r>
-              <a:rPr lang="fr-FR" sz="3600" dirty="0" err="1"/>
-              <a:t>mandraisa</a:t>
-            </a:r>
-            <a:r>
-              <a:rPr lang="fr-FR" sz="3600" dirty="0"/>
-              <a:t> </a:t>
-            </a:r>
-            <a:r>
-              <a:rPr lang="fr-FR" sz="3600" dirty="0" err="1"/>
-              <a:t>anay</a:t>
-            </a:r>
-            <a:r>
-              <a:rPr lang="fr-FR" sz="3600" dirty="0"/>
-              <a:t>.</a:t>
             </a:r>
           </a:p>
         </p:txBody>
@@ -3524,18 +4657,25 @@
       </p:grpSpPr>
       <p:sp>
         <p:nvSpPr>
-          <p:cNvPr id="7" name="Rectangle 6"/>
-          <p:cNvSpPr/>
+          <p:cNvPr id="5" name="ZoneTexte 4">
+            <a:extLst>
+              <a:ext uri="{FF2B5EF4-FFF2-40B4-BE49-F238E27FC236}">
+                <a16:creationId xmlns:a16="http://schemas.microsoft.com/office/drawing/2014/main" id="{33EFFCAE-F3AF-95CA-AA67-4AB6F13CF834}"/>
+              </a:ext>
+            </a:extLst>
+          </p:cNvPr>
+          <p:cNvSpPr txBox="1"/>
           <p:nvPr/>
         </p:nvSpPr>
         <p:spPr>
           <a:xfrm>
-            <a:off x="642910" y="285728"/>
-            <a:ext cx="7715304" cy="6186309"/>
+            <a:off x="0" y="260648"/>
+            <a:ext cx="9144000" cy="6001643"/>
           </a:xfrm>
           <a:prstGeom prst="rect">
             <a:avLst/>
           </a:prstGeom>
+          <a:noFill/>
         </p:spPr>
         <p:txBody>
           <a:bodyPr wrap="square">
@@ -3543,251 +4683,51 @@
           </a:bodyPr>
           <a:lstStyle/>
           <a:p>
-            <a:pPr algn="ctr">
-              <a:lnSpc>
-                <a:spcPct val="150000"/>
-              </a:lnSpc>
-            </a:pPr>
-            <a:r>
-              <a:rPr lang="es-ES" sz="3600" dirty="0"/>
-              <a:t>2. Iza re no </a:t>
-            </a:r>
-            <a:r>
-              <a:rPr lang="es-ES" sz="3600" dirty="0" err="1"/>
-              <a:t>mety</a:t>
-            </a:r>
-            <a:r>
-              <a:rPr lang="es-ES" sz="3600" dirty="0"/>
-              <a:t>, iza re </a:t>
-            </a:r>
-            <a:r>
-              <a:rPr lang="es-ES" sz="3600" dirty="0" err="1"/>
-              <a:t>lazao</a:t>
-            </a:r>
-            <a:r>
-              <a:rPr lang="es-ES" sz="3600" dirty="0"/>
-              <a:t>,</a:t>
-            </a:r>
-          </a:p>
-          <a:p>
-            <a:pPr algn="ctr">
-              <a:lnSpc>
-                <a:spcPct val="150000"/>
-              </a:lnSpc>
-            </a:pPr>
-            <a:r>
-              <a:rPr lang="fr-FR" sz="3600" dirty="0" err="1"/>
-              <a:t>Hanome</a:t>
-            </a:r>
-            <a:r>
-              <a:rPr lang="fr-FR" sz="3600" dirty="0"/>
+            <a:pPr algn="ctr"/>
+            <a:r>
+              <a:rPr lang="en-US" sz="9600" dirty="0"/>
+              <a:t>He </a:t>
+            </a:r>
+            <a:r>
+              <a:rPr lang="en-US" sz="9600" dirty="0" err="1"/>
+              <a:t>ny</a:t>
+            </a:r>
+            <a:r>
+              <a:rPr lang="en-US" sz="9600" dirty="0"/>
               <a:t> </a:t>
             </a:r>
             <a:r>
-              <a:rPr lang="fr-FR" sz="3600" dirty="0" err="1"/>
+              <a:rPr lang="en-US" sz="9600" dirty="0" err="1"/>
+              <a:t>hatsarany</a:t>
+            </a:r>
+            <a:r>
+              <a:rPr lang="en-US" sz="9600" dirty="0"/>
+              <a:t>! He </a:t>
+            </a:r>
+            <a:r>
+              <a:rPr lang="en-US" sz="9600" dirty="0" err="1"/>
               <a:t>ny</a:t>
             </a:r>
             <a:r>
-              <a:rPr lang="fr-FR" sz="3600" dirty="0"/>
-              <a:t> </a:t>
-            </a:r>
-            <a:r>
-              <a:rPr lang="fr-FR" sz="3600" dirty="0" err="1"/>
-              <a:t>fony</a:t>
-            </a:r>
-            <a:r>
-              <a:rPr lang="fr-FR" sz="3600" dirty="0"/>
-              <a:t> </a:t>
-            </a:r>
-            <a:r>
-              <a:rPr lang="fr-FR" sz="3600" dirty="0" err="1"/>
-              <a:t>mba</a:t>
-            </a:r>
-            <a:r>
-              <a:rPr lang="fr-FR" sz="3600" dirty="0"/>
-              <a:t> ho </a:t>
-            </a:r>
-            <a:r>
-              <a:rPr lang="fr-FR" sz="3600" dirty="0" err="1"/>
-              <a:t>Azy</a:t>
-            </a:r>
-            <a:r>
-              <a:rPr lang="fr-FR" sz="3600" dirty="0"/>
-              <a:t> </a:t>
-            </a:r>
-            <a:r>
-              <a:rPr lang="fr-FR" sz="3600" dirty="0" err="1"/>
-              <a:t>izao</a:t>
-            </a:r>
-            <a:r>
-              <a:rPr lang="fr-FR" sz="3600" dirty="0"/>
-              <a:t>?</a:t>
-            </a:r>
-          </a:p>
-          <a:p>
-            <a:pPr algn="ctr">
-              <a:lnSpc>
-                <a:spcPct val="150000"/>
-              </a:lnSpc>
-            </a:pPr>
-            <a:r>
-              <a:rPr lang="fr-FR" sz="3600" dirty="0"/>
-              <a:t>He, </a:t>
-            </a:r>
-            <a:r>
-              <a:rPr lang="fr-FR" sz="3600" dirty="0" err="1"/>
-              <a:t>miantso</a:t>
-            </a:r>
-            <a:r>
-              <a:rPr lang="fr-FR" sz="3600" dirty="0"/>
-              <a:t> </a:t>
-            </a:r>
-            <a:r>
-              <a:rPr lang="fr-FR" sz="3600" dirty="0" err="1"/>
-              <a:t>mafy</a:t>
-            </a:r>
-            <a:r>
-              <a:rPr lang="fr-FR" sz="3600" dirty="0"/>
-              <a:t> </a:t>
-            </a:r>
-            <a:r>
-              <a:rPr lang="fr-FR" sz="3600" dirty="0" err="1"/>
-              <a:t>Jeso</a:t>
-            </a:r>
-            <a:r>
-              <a:rPr lang="fr-FR" sz="3600" dirty="0"/>
-              <a:t> </a:t>
-            </a:r>
-            <a:r>
-              <a:rPr lang="fr-FR" sz="3600" dirty="0" err="1"/>
-              <a:t>Tompo</a:t>
-            </a:r>
-            <a:r>
-              <a:rPr lang="fr-FR" sz="3600" dirty="0"/>
-              <a:t> </a:t>
-            </a:r>
-            <a:r>
-              <a:rPr lang="fr-FR" sz="3600" dirty="0" err="1"/>
-              <a:t>tia</a:t>
-            </a:r>
-            <a:r>
-              <a:rPr lang="fr-FR" sz="3600" dirty="0"/>
-              <a:t>:</a:t>
-            </a:r>
-          </a:p>
-          <a:p>
-            <a:pPr algn="ctr">
-              <a:lnSpc>
-                <a:spcPct val="150000"/>
-              </a:lnSpc>
-            </a:pPr>
-            <a:r>
-              <a:rPr lang="fi-FI" sz="3600" dirty="0"/>
-              <a:t>"Zay rehetra mety, ô! avia, avia!" </a:t>
-            </a:r>
-            <a:endParaRPr lang="fi-FI" sz="3600" dirty="0" smtClean="0"/>
+              <a:rPr lang="en-US" sz="9600" dirty="0"/>
+              <a:t> antra be!</a:t>
+            </a:r>
           </a:p>
           <a:p>
             <a:pPr algn="ctr"/>
-            <a:endParaRPr lang="fi-FI" sz="3600" dirty="0"/>
-          </a:p>
-          <a:p>
-            <a:pPr algn="ctr"/>
-            <a:r>
-              <a:rPr lang="fr-FR" sz="3600" dirty="0" smtClean="0"/>
-              <a:t>Réf:</a:t>
-            </a:r>
-            <a:endParaRPr lang="pl-PL" sz="3600" dirty="0"/>
-          </a:p>
-          <a:p>
-            <a:pPr algn="ctr">
-              <a:lnSpc>
-                <a:spcPct val="150000"/>
-              </a:lnSpc>
-            </a:pPr>
-            <a:r>
-              <a:rPr lang="fr-FR" sz="3600" dirty="0" err="1" smtClean="0"/>
-              <a:t>Jeso</a:t>
-            </a:r>
-            <a:r>
-              <a:rPr lang="fr-FR" sz="3600" dirty="0" smtClean="0"/>
-              <a:t> </a:t>
-            </a:r>
-            <a:r>
-              <a:rPr lang="fr-FR" sz="3600" dirty="0" err="1"/>
-              <a:t>Tomponay</a:t>
-            </a:r>
-            <a:r>
-              <a:rPr lang="fr-FR" sz="3600" dirty="0"/>
-              <a:t> ô! </a:t>
-            </a:r>
-            <a:r>
-              <a:rPr lang="fr-FR" sz="3600" dirty="0" err="1"/>
-              <a:t>Indreto</a:t>
-            </a:r>
-            <a:r>
-              <a:rPr lang="fr-FR" sz="3600" dirty="0"/>
-              <a:t> </a:t>
-            </a:r>
-            <a:r>
-              <a:rPr lang="fr-FR" sz="3600" dirty="0" err="1"/>
-              <a:t>izahay</a:t>
-            </a:r>
-            <a:r>
-              <a:rPr lang="fr-FR" sz="3600" dirty="0"/>
-              <a:t>,</a:t>
-            </a:r>
-          </a:p>
-          <a:p>
-            <a:pPr algn="ctr">
-              <a:lnSpc>
-                <a:spcPct val="150000"/>
-              </a:lnSpc>
-            </a:pPr>
-            <a:r>
-              <a:rPr lang="fr-FR" sz="3600" dirty="0" err="1"/>
-              <a:t>Avy</a:t>
-            </a:r>
-            <a:r>
-              <a:rPr lang="fr-FR" sz="3600" dirty="0"/>
-              <a:t> </a:t>
-            </a:r>
-            <a:r>
-              <a:rPr lang="fr-FR" sz="3600" dirty="0" err="1"/>
-              <a:t>mba</a:t>
-            </a:r>
-            <a:r>
-              <a:rPr lang="fr-FR" sz="3600" dirty="0"/>
-              <a:t> </a:t>
-            </a:r>
-            <a:r>
-              <a:rPr lang="fr-FR" sz="3600" dirty="0" err="1"/>
-              <a:t>hanaiky</a:t>
-            </a:r>
-            <a:r>
-              <a:rPr lang="fr-FR" sz="3600" dirty="0"/>
-              <a:t>, ka </a:t>
-            </a:r>
-            <a:r>
-              <a:rPr lang="fr-FR" sz="3600" dirty="0" err="1"/>
-              <a:t>mandraisa</a:t>
-            </a:r>
-            <a:r>
-              <a:rPr lang="fr-FR" sz="3600" dirty="0"/>
-              <a:t> </a:t>
-            </a:r>
-            <a:r>
-              <a:rPr lang="fr-FR" sz="3600" dirty="0" err="1"/>
-              <a:t>anay</a:t>
-            </a:r>
-            <a:r>
-              <a:rPr lang="fr-FR" sz="3600" dirty="0"/>
-              <a:t>.</a:t>
+            <a:r>
+              <a:rPr lang="pl-PL" sz="9600" dirty="0"/>
+              <a:t>Izy ta hamonjy ka meteza re.</a:t>
             </a:r>
           </a:p>
         </p:txBody>
       </p:sp>
     </p:spTree>
+    <p:extLst>
+      <p:ext uri="{BB962C8B-B14F-4D97-AF65-F5344CB8AC3E}">
+        <p14:creationId xmlns:p14="http://schemas.microsoft.com/office/powerpoint/2010/main" val="2431288153"/>
+      </p:ext>
+    </p:extLst>
   </p:cSld>
   <p:clrMapOvr>
     <a:masterClrMapping/>
@@ -3814,18 +4754,25 @@
       </p:grpSpPr>
       <p:sp>
         <p:nvSpPr>
-          <p:cNvPr id="7" name="Rectangle 6"/>
-          <p:cNvSpPr/>
+          <p:cNvPr id="5" name="ZoneTexte 4">
+            <a:extLst>
+              <a:ext uri="{FF2B5EF4-FFF2-40B4-BE49-F238E27FC236}">
+                <a16:creationId xmlns:a16="http://schemas.microsoft.com/office/drawing/2014/main" id="{79AE07ED-98B4-C43F-B1DF-C6AE33043E07}"/>
+              </a:ext>
+            </a:extLst>
+          </p:cNvPr>
+          <p:cNvSpPr txBox="1"/>
           <p:nvPr/>
         </p:nvSpPr>
         <p:spPr>
           <a:xfrm>
-            <a:off x="642910" y="285728"/>
-            <a:ext cx="7715304" cy="6186309"/>
+            <a:off x="0" y="572482"/>
+            <a:ext cx="9144000" cy="5016758"/>
           </a:xfrm>
           <a:prstGeom prst="rect">
             <a:avLst/>
           </a:prstGeom>
+          <a:noFill/>
         </p:spPr>
         <p:txBody>
           <a:bodyPr wrap="square">
@@ -3833,283 +4780,238 @@
           </a:bodyPr>
           <a:lstStyle/>
           <a:p>
-            <a:pPr algn="ctr">
-              <a:lnSpc>
-                <a:spcPct val="150000"/>
-              </a:lnSpc>
-            </a:pPr>
-            <a:r>
-              <a:rPr lang="fr-FR" sz="3600" dirty="0"/>
-              <a:t>3. </a:t>
-            </a:r>
-            <a:r>
-              <a:rPr lang="fr-FR" sz="3600" dirty="0" err="1"/>
-              <a:t>lza</a:t>
-            </a:r>
-            <a:r>
-              <a:rPr lang="fr-FR" sz="3600" dirty="0"/>
-              <a:t> no </a:t>
-            </a:r>
-            <a:r>
-              <a:rPr lang="fr-FR" sz="3600" dirty="0" err="1"/>
+            <a:pPr algn="ctr"/>
+            <a:r>
+              <a:rPr lang="fr-FR" sz="8000" b="1" dirty="0" err="1">
+                <a:effectLst>
+                  <a:outerShdw blurRad="38100" dist="38100" dir="2700000" algn="tl">
+                    <a:srgbClr val="000000">
+                      <a:alpha val="43137"/>
+                    </a:srgbClr>
+                  </a:outerShdw>
+                </a:effectLst>
+              </a:rPr>
+              <a:t>Jeso</a:t>
+            </a:r>
+            <a:r>
+              <a:rPr lang="fr-FR" sz="8000" b="1" dirty="0">
+                <a:effectLst>
+                  <a:outerShdw blurRad="38100" dist="38100" dir="2700000" algn="tl">
+                    <a:srgbClr val="000000">
+                      <a:alpha val="43137"/>
+                    </a:srgbClr>
+                  </a:outerShdw>
+                </a:effectLst>
+              </a:rPr>
+              <a:t> </a:t>
+            </a:r>
+            <a:r>
+              <a:rPr lang="fr-FR" sz="8000" b="1" dirty="0" err="1">
+                <a:effectLst>
+                  <a:outerShdw blurRad="38100" dist="38100" dir="2700000" algn="tl">
+                    <a:srgbClr val="000000">
+                      <a:alpha val="43137"/>
+                    </a:srgbClr>
+                  </a:outerShdw>
+                </a:effectLst>
+              </a:rPr>
+              <a:t>Tomponay</a:t>
+            </a:r>
+            <a:r>
+              <a:rPr lang="fr-FR" sz="8000" b="1" dirty="0">
+                <a:effectLst>
+                  <a:outerShdw blurRad="38100" dist="38100" dir="2700000" algn="tl">
+                    <a:srgbClr val="000000">
+                      <a:alpha val="43137"/>
+                    </a:srgbClr>
+                  </a:outerShdw>
+                </a:effectLst>
+              </a:rPr>
+              <a:t> ô! </a:t>
+            </a:r>
+            <a:r>
+              <a:rPr lang="fr-FR" sz="8000" b="1" dirty="0" err="1">
+                <a:effectLst>
+                  <a:outerShdw blurRad="38100" dist="38100" dir="2700000" algn="tl">
+                    <a:srgbClr val="000000">
+                      <a:alpha val="43137"/>
+                    </a:srgbClr>
+                  </a:outerShdw>
+                </a:effectLst>
+              </a:rPr>
+              <a:t>Indreto</a:t>
+            </a:r>
+            <a:r>
+              <a:rPr lang="fr-FR" sz="8000" b="1" dirty="0">
+                <a:effectLst>
+                  <a:outerShdw blurRad="38100" dist="38100" dir="2700000" algn="tl">
+                    <a:srgbClr val="000000">
+                      <a:alpha val="43137"/>
+                    </a:srgbClr>
+                  </a:outerShdw>
+                </a:effectLst>
+              </a:rPr>
+              <a:t> </a:t>
+            </a:r>
+            <a:r>
+              <a:rPr lang="fr-FR" sz="8000" b="1" dirty="0" err="1">
+                <a:effectLst>
+                  <a:outerShdw blurRad="38100" dist="38100" dir="2700000" algn="tl">
+                    <a:srgbClr val="000000">
+                      <a:alpha val="43137"/>
+                    </a:srgbClr>
+                  </a:outerShdw>
+                </a:effectLst>
+              </a:rPr>
+              <a:t>izahay</a:t>
+            </a:r>
+            <a:r>
+              <a:rPr lang="fr-FR" sz="8000" b="1" dirty="0">
+                <a:effectLst>
+                  <a:outerShdw blurRad="38100" dist="38100" dir="2700000" algn="tl">
+                    <a:srgbClr val="000000">
+                      <a:alpha val="43137"/>
+                    </a:srgbClr>
+                  </a:outerShdw>
+                </a:effectLst>
+              </a:rPr>
+              <a:t>,</a:t>
+            </a:r>
+          </a:p>
+          <a:p>
+            <a:pPr algn="ctr"/>
+            <a:r>
+              <a:rPr lang="fr-FR" sz="8000" b="1" dirty="0">
+                <a:effectLst>
+                  <a:outerShdw blurRad="38100" dist="38100" dir="2700000" algn="tl">
+                    <a:srgbClr val="000000">
+                      <a:alpha val="43137"/>
+                    </a:srgbClr>
+                  </a:outerShdw>
+                </a:effectLst>
+              </a:rPr>
+              <a:t>Avy </a:t>
+            </a:r>
+            <a:r>
+              <a:rPr lang="fr-FR" sz="8000" b="1" dirty="0" err="1">
+                <a:effectLst>
+                  <a:outerShdw blurRad="38100" dist="38100" dir="2700000" algn="tl">
+                    <a:srgbClr val="000000">
+                      <a:alpha val="43137"/>
+                    </a:srgbClr>
+                  </a:outerShdw>
+                </a:effectLst>
+              </a:rPr>
               <a:t>mba</a:t>
             </a:r>
             <a:r>
-              <a:rPr lang="fr-FR" sz="3600" dirty="0"/>
+              <a:rPr lang="fr-FR" sz="8000" b="1" dirty="0">
+                <a:effectLst>
+                  <a:outerShdw blurRad="38100" dist="38100" dir="2700000" algn="tl">
+                    <a:srgbClr val="000000">
+                      <a:alpha val="43137"/>
+                    </a:srgbClr>
+                  </a:outerShdw>
+                </a:effectLst>
+              </a:rPr>
               <a:t> </a:t>
             </a:r>
             <a:r>
-              <a:rPr lang="fr-FR" sz="3600" dirty="0" err="1"/>
-              <a:t>sahy</a:t>
-            </a:r>
-            <a:r>
-              <a:rPr lang="fr-FR" sz="3600" dirty="0"/>
+              <a:rPr lang="fr-FR" sz="8000" b="1" dirty="0" err="1">
+                <a:effectLst>
+                  <a:outerShdw blurRad="38100" dist="38100" dir="2700000" algn="tl">
+                    <a:srgbClr val="000000">
+                      <a:alpha val="43137"/>
+                    </a:srgbClr>
+                  </a:outerShdw>
+                </a:effectLst>
+              </a:rPr>
+              <a:t>hanaiky</a:t>
+            </a:r>
+            <a:r>
+              <a:rPr lang="fr-FR" sz="8000" b="1" dirty="0">
+                <a:effectLst>
+                  <a:outerShdw blurRad="38100" dist="38100" dir="2700000" algn="tl">
+                    <a:srgbClr val="000000">
+                      <a:alpha val="43137"/>
+                    </a:srgbClr>
+                  </a:outerShdw>
+                </a:effectLst>
+              </a:rPr>
               <a:t>, </a:t>
             </a:r>
-            <a:r>
-              <a:rPr lang="fr-FR" sz="3600" dirty="0" err="1"/>
-              <a:t>sahy</a:t>
-            </a:r>
-            <a:r>
-              <a:rPr lang="fr-FR" sz="3600" dirty="0"/>
+          </a:p>
+          <a:p>
+            <a:pPr algn="ctr"/>
+            <a:r>
+              <a:rPr lang="fr-FR" sz="8000" b="1" dirty="0">
+                <a:effectLst>
+                  <a:outerShdw blurRad="38100" dist="38100" dir="2700000" algn="tl">
+                    <a:srgbClr val="000000">
+                      <a:alpha val="43137"/>
+                    </a:srgbClr>
+                  </a:outerShdw>
+                </a:effectLst>
+              </a:rPr>
+              <a:t>ka </a:t>
+            </a:r>
+            <a:r>
+              <a:rPr lang="fr-FR" sz="8000" b="1" dirty="0" err="1">
+                <a:effectLst>
+                  <a:outerShdw blurRad="38100" dist="38100" dir="2700000" algn="tl">
+                    <a:srgbClr val="000000">
+                      <a:alpha val="43137"/>
+                    </a:srgbClr>
+                  </a:outerShdw>
+                </a:effectLst>
+              </a:rPr>
+              <a:t>mandraisa</a:t>
+            </a:r>
+            <a:r>
+              <a:rPr lang="fr-FR" sz="8000" b="1" dirty="0">
+                <a:effectLst>
+                  <a:outerShdw blurRad="38100" dist="38100" dir="2700000" algn="tl">
+                    <a:srgbClr val="000000">
+                      <a:alpha val="43137"/>
+                    </a:srgbClr>
+                  </a:outerShdw>
+                </a:effectLst>
+              </a:rPr>
               <a:t> </a:t>
             </a:r>
             <a:r>
-              <a:rPr lang="fr-FR" sz="3600" dirty="0" err="1"/>
-              <a:t>ao</a:t>
-            </a:r>
-            <a:r>
-              <a:rPr lang="fr-FR" sz="3600" dirty="0"/>
-              <a:t> </a:t>
-            </a:r>
-            <a:r>
-              <a:rPr lang="fr-FR" sz="3600" dirty="0" err="1"/>
-              <a:t>am</a:t>
-            </a:r>
-            <a:r>
-              <a:rPr lang="fr-FR" sz="3600" dirty="0"/>
-              <a:t>-po</a:t>
-            </a:r>
-          </a:p>
-          <a:p>
-            <a:pPr algn="ctr">
-              <a:lnSpc>
-                <a:spcPct val="150000"/>
-              </a:lnSpc>
-            </a:pPr>
-            <a:r>
-              <a:rPr lang="fr-FR" sz="3600" dirty="0"/>
-              <a:t>Ho </a:t>
-            </a:r>
-            <a:r>
-              <a:rPr lang="fr-FR" sz="3600" dirty="0" err="1"/>
-              <a:t>miaramila</a:t>
-            </a:r>
-            <a:r>
-              <a:rPr lang="fr-FR" sz="3600" dirty="0"/>
-              <a:t> </a:t>
-            </a:r>
-            <a:r>
-              <a:rPr lang="fr-FR" sz="3600" dirty="0" err="1"/>
-              <a:t>fehin'i</a:t>
-            </a:r>
-            <a:r>
-              <a:rPr lang="fr-FR" sz="3600" dirty="0"/>
-              <a:t> </a:t>
-            </a:r>
-            <a:r>
-              <a:rPr lang="fr-FR" sz="3600" dirty="0" err="1"/>
-              <a:t>Jeso</a:t>
-            </a:r>
-            <a:r>
-              <a:rPr lang="fr-FR" sz="3600" dirty="0"/>
-              <a:t>?</a:t>
-            </a:r>
-          </a:p>
-          <a:p>
-            <a:pPr algn="ctr">
-              <a:lnSpc>
-                <a:spcPct val="150000"/>
-              </a:lnSpc>
-            </a:pPr>
-            <a:r>
-              <a:rPr lang="fr-FR" sz="3600" dirty="0" err="1"/>
-              <a:t>lza</a:t>
-            </a:r>
-            <a:r>
-              <a:rPr lang="fr-FR" sz="3600" dirty="0"/>
-              <a:t> no </a:t>
-            </a:r>
-            <a:r>
-              <a:rPr lang="fr-FR" sz="3600" dirty="0" err="1"/>
-              <a:t>hiady</a:t>
-            </a:r>
-            <a:r>
-              <a:rPr lang="fr-FR" sz="3600" dirty="0"/>
-              <a:t> </a:t>
-            </a:r>
-            <a:r>
-              <a:rPr lang="fr-FR" sz="3600" dirty="0" err="1"/>
-              <a:t>ady</a:t>
-            </a:r>
-            <a:r>
-              <a:rPr lang="fr-FR" sz="3600" dirty="0"/>
-              <a:t> </a:t>
-            </a:r>
-            <a:r>
-              <a:rPr lang="fr-FR" sz="3600" dirty="0" err="1"/>
-              <a:t>tsara</a:t>
-            </a:r>
-            <a:r>
-              <a:rPr lang="fr-FR" sz="3600" dirty="0"/>
-              <a:t> </a:t>
-            </a:r>
-            <a:r>
-              <a:rPr lang="fr-FR" sz="3600" dirty="0" err="1"/>
-              <a:t>re</a:t>
-            </a:r>
-            <a:r>
-              <a:rPr lang="fr-FR" sz="3600" dirty="0"/>
-              <a:t>,</a:t>
-            </a:r>
-          </a:p>
-          <a:p>
-            <a:pPr algn="ctr">
-              <a:lnSpc>
-                <a:spcPct val="150000"/>
-              </a:lnSpc>
-            </a:pPr>
-            <a:r>
-              <a:rPr lang="fr-FR" sz="3600" dirty="0"/>
-              <a:t>Fa </a:t>
-            </a:r>
-            <a:r>
-              <a:rPr lang="fr-FR" sz="3600" dirty="0" err="1"/>
-              <a:t>ny</a:t>
-            </a:r>
-            <a:r>
-              <a:rPr lang="fr-FR" sz="3600" dirty="0"/>
-              <a:t> </a:t>
-            </a:r>
-            <a:r>
-              <a:rPr lang="fr-FR" sz="3600" dirty="0" err="1"/>
-              <a:t>fahavalo</a:t>
-            </a:r>
-            <a:r>
-              <a:rPr lang="fr-FR" sz="3600" dirty="0"/>
-              <a:t> dia </a:t>
-            </a:r>
-            <a:r>
-              <a:rPr lang="fr-FR" sz="3600" dirty="0" err="1"/>
-              <a:t>marobe</a:t>
-            </a:r>
-            <a:r>
-              <a:rPr lang="fr-FR" sz="3600" dirty="0"/>
-              <a:t>?</a:t>
-            </a:r>
-            <a:endParaRPr lang="fi-FI" sz="3600" dirty="0"/>
-          </a:p>
-          <a:p>
-            <a:pPr algn="ctr"/>
-            <a:endParaRPr lang="fr-FR" sz="3600" dirty="0" smtClean="0"/>
-          </a:p>
-          <a:p>
-            <a:pPr algn="ctr"/>
-            <a:r>
-              <a:rPr lang="fr-FR" sz="3600" dirty="0" smtClean="0"/>
-              <a:t>Réf:</a:t>
-            </a:r>
-            <a:endParaRPr lang="pl-PL" sz="3600" dirty="0"/>
-          </a:p>
-          <a:p>
-            <a:pPr algn="ctr">
-              <a:lnSpc>
-                <a:spcPct val="150000"/>
-              </a:lnSpc>
-            </a:pPr>
-            <a:r>
-              <a:rPr lang="fr-FR" sz="3600" dirty="0" err="1" smtClean="0"/>
-              <a:t>Jeso</a:t>
-            </a:r>
-            <a:r>
-              <a:rPr lang="fr-FR" sz="3600" dirty="0" smtClean="0"/>
-              <a:t> </a:t>
-            </a:r>
-            <a:r>
-              <a:rPr lang="fr-FR" sz="3600" dirty="0" err="1"/>
-              <a:t>Tomponay</a:t>
-            </a:r>
-            <a:r>
-              <a:rPr lang="fr-FR" sz="3600" dirty="0"/>
-              <a:t> ô! </a:t>
-            </a:r>
-            <a:r>
-              <a:rPr lang="fr-FR" sz="3600" dirty="0" err="1"/>
-              <a:t>Indreto</a:t>
-            </a:r>
-            <a:r>
-              <a:rPr lang="fr-FR" sz="3600" dirty="0"/>
-              <a:t> </a:t>
-            </a:r>
-            <a:r>
-              <a:rPr lang="fr-FR" sz="3600" dirty="0" err="1"/>
-              <a:t>izahay</a:t>
-            </a:r>
-            <a:r>
-              <a:rPr lang="fr-FR" sz="3600" dirty="0"/>
-              <a:t>,</a:t>
-            </a:r>
-          </a:p>
-          <a:p>
-            <a:pPr algn="ctr">
-              <a:lnSpc>
-                <a:spcPct val="150000"/>
-              </a:lnSpc>
-            </a:pPr>
-            <a:r>
-              <a:rPr lang="fr-FR" sz="3600" dirty="0" err="1"/>
-              <a:t>Avy</a:t>
-            </a:r>
-            <a:r>
-              <a:rPr lang="fr-FR" sz="3600" dirty="0"/>
-              <a:t> </a:t>
-            </a:r>
-            <a:r>
-              <a:rPr lang="fr-FR" sz="3600" dirty="0" err="1"/>
-              <a:t>mba</a:t>
-            </a:r>
-            <a:r>
-              <a:rPr lang="fr-FR" sz="3600" dirty="0"/>
-              <a:t> </a:t>
-            </a:r>
-            <a:r>
-              <a:rPr lang="fr-FR" sz="3600" dirty="0" err="1"/>
-              <a:t>hanaiky</a:t>
-            </a:r>
-            <a:r>
-              <a:rPr lang="fr-FR" sz="3600" dirty="0"/>
-              <a:t>, ka </a:t>
-            </a:r>
-            <a:r>
-              <a:rPr lang="fr-FR" sz="3600" dirty="0" err="1"/>
-              <a:t>mandraisa</a:t>
-            </a:r>
-            <a:r>
-              <a:rPr lang="fr-FR" sz="3600" dirty="0"/>
-              <a:t> </a:t>
-            </a:r>
-            <a:r>
-              <a:rPr lang="fr-FR" sz="3600" dirty="0" err="1"/>
+              <a:rPr lang="fr-FR" sz="8000" b="1" dirty="0" err="1">
+                <a:effectLst>
+                  <a:outerShdw blurRad="38100" dist="38100" dir="2700000" algn="tl">
+                    <a:srgbClr val="000000">
+                      <a:alpha val="43137"/>
+                    </a:srgbClr>
+                  </a:outerShdw>
+                </a:effectLst>
+              </a:rPr>
               <a:t>anay</a:t>
             </a:r>
             <a:r>
-              <a:rPr lang="fr-FR" sz="3600" dirty="0"/>
+              <a:rPr lang="fr-FR" sz="8000" b="1" dirty="0">
+                <a:effectLst>
+                  <a:outerShdw blurRad="38100" dist="38100" dir="2700000" algn="tl">
+                    <a:srgbClr val="000000">
+                      <a:alpha val="43137"/>
+                    </a:srgbClr>
+                  </a:outerShdw>
+                </a:effectLst>
+              </a:rPr>
               <a:t>.</a:t>
             </a:r>
           </a:p>
         </p:txBody>
       </p:sp>
     </p:spTree>
+    <p:extLst>
+      <p:ext uri="{BB962C8B-B14F-4D97-AF65-F5344CB8AC3E}">
+        <p14:creationId xmlns:p14="http://schemas.microsoft.com/office/powerpoint/2010/main" val="725076188"/>
+      </p:ext>
+    </p:extLst>
   </p:cSld>
   <p:clrMapOvr>
     <a:masterClrMapping/>
@@ -4142,8 +5044,8 @@
         </p:nvSpPr>
         <p:spPr>
           <a:xfrm>
-            <a:off x="642910" y="285728"/>
-            <a:ext cx="7715304" cy="6186309"/>
+            <a:off x="0" y="285728"/>
+            <a:ext cx="9144000" cy="5509200"/>
           </a:xfrm>
           <a:prstGeom prst="rect">
             <a:avLst/>
@@ -4155,266 +5057,69 @@
           </a:bodyPr>
           <a:lstStyle/>
           <a:p>
-            <a:pPr algn="ctr">
-              <a:lnSpc>
-                <a:spcPct val="150000"/>
-              </a:lnSpc>
-            </a:pPr>
-            <a:r>
-              <a:rPr lang="es-ES" sz="3600" dirty="0"/>
-              <a:t>4. </a:t>
-            </a:r>
-            <a:r>
-              <a:rPr lang="es-ES" sz="3600" dirty="0" err="1"/>
-              <a:t>lza</a:t>
-            </a:r>
-            <a:r>
-              <a:rPr lang="es-ES" sz="3600" dirty="0"/>
-              <a:t> re no </a:t>
-            </a:r>
-            <a:r>
-              <a:rPr lang="es-ES" sz="3600" dirty="0" err="1"/>
-              <a:t>homba</a:t>
-            </a:r>
-            <a:r>
-              <a:rPr lang="es-ES" sz="3600" dirty="0"/>
+            <a:pPr algn="ctr"/>
+            <a:r>
+              <a:rPr lang="es-ES" sz="8800" dirty="0"/>
+              <a:t>2. Iza re no </a:t>
+            </a:r>
+            <a:r>
+              <a:rPr lang="es-ES" sz="8800" dirty="0" err="1"/>
+              <a:t>mety</a:t>
+            </a:r>
+            <a:r>
+              <a:rPr lang="es-ES" sz="8800" dirty="0"/>
+              <a:t>, iza re </a:t>
+            </a:r>
+            <a:r>
+              <a:rPr lang="es-ES" sz="8800" dirty="0" err="1"/>
+              <a:t>lazao</a:t>
+            </a:r>
+            <a:r>
+              <a:rPr lang="es-ES" sz="8800" dirty="0"/>
+              <a:t>,</a:t>
+            </a:r>
+          </a:p>
+          <a:p>
+            <a:pPr algn="ctr"/>
+            <a:r>
+              <a:rPr lang="fr-FR" sz="8800" dirty="0" err="1"/>
+              <a:t>Hanome</a:t>
+            </a:r>
+            <a:r>
+              <a:rPr lang="fr-FR" sz="8800" dirty="0"/>
               <a:t> </a:t>
             </a:r>
             <a:r>
-              <a:rPr lang="es-ES" sz="3600" dirty="0" err="1"/>
-              <a:t>Azy</a:t>
-            </a:r>
-            <a:r>
-              <a:rPr lang="es-ES" sz="3600" dirty="0"/>
+              <a:rPr lang="fr-FR" sz="8800" dirty="0" err="1"/>
+              <a:t>ny</a:t>
+            </a:r>
+            <a:r>
+              <a:rPr lang="fr-FR" sz="8800" dirty="0"/>
               <a:t> </a:t>
             </a:r>
             <a:r>
-              <a:rPr lang="es-ES" sz="3600" dirty="0" err="1"/>
-              <a:t>ankehitrio</a:t>
-            </a:r>
-            <a:endParaRPr lang="es-ES" sz="3600" dirty="0"/>
-          </a:p>
-          <a:p>
-            <a:pPr algn="ctr">
-              <a:lnSpc>
-                <a:spcPct val="150000"/>
-              </a:lnSpc>
-            </a:pPr>
-            <a:r>
-              <a:rPr lang="fr-FR" sz="3600" dirty="0" err="1"/>
-              <a:t>Mba</a:t>
-            </a:r>
-            <a:r>
-              <a:rPr lang="fr-FR" sz="3600" dirty="0"/>
+              <a:rPr lang="fr-FR" sz="8800" dirty="0" err="1"/>
+              <a:t>fony</a:t>
+            </a:r>
+            <a:r>
+              <a:rPr lang="fr-FR" sz="8800" dirty="0"/>
               <a:t> </a:t>
             </a:r>
             <a:r>
-              <a:rPr lang="fr-FR" sz="3600" dirty="0" err="1"/>
-              <a:t>hamonjy</a:t>
-            </a:r>
-            <a:r>
-              <a:rPr lang="fr-FR" sz="3600" dirty="0"/>
-              <a:t> </a:t>
-            </a:r>
-            <a:r>
-              <a:rPr lang="fr-FR" sz="3600" dirty="0" err="1"/>
-              <a:t>ireny</a:t>
-            </a:r>
-            <a:r>
-              <a:rPr lang="fr-FR" sz="3600" dirty="0"/>
-              <a:t> </a:t>
-            </a:r>
-            <a:r>
-              <a:rPr lang="fr-FR" sz="3600" dirty="0" err="1"/>
-              <a:t>azon'ny</a:t>
-            </a:r>
-            <a:r>
-              <a:rPr lang="fr-FR" sz="3600" dirty="0"/>
-              <a:t> </a:t>
-            </a:r>
-            <a:r>
-              <a:rPr lang="fr-FR" sz="3600" dirty="0" err="1"/>
-              <a:t>manjo</a:t>
-            </a:r>
-            <a:r>
-              <a:rPr lang="fr-FR" sz="3600" dirty="0"/>
+              <a:rPr lang="fr-FR" sz="8800" dirty="0" err="1"/>
+              <a:t>mba</a:t>
+            </a:r>
+            <a:r>
+              <a:rPr lang="fr-FR" sz="8800" dirty="0"/>
+              <a:t> ho Azy </a:t>
+            </a:r>
+            <a:r>
+              <a:rPr lang="fr-FR" sz="8800" dirty="0" err="1"/>
+              <a:t>izao</a:t>
+            </a:r>
+            <a:r>
+              <a:rPr lang="fr-FR" sz="8800" dirty="0"/>
               <a:t>?</a:t>
-            </a:r>
-          </a:p>
-          <a:p>
-            <a:pPr algn="ctr">
-              <a:lnSpc>
-                <a:spcPct val="150000"/>
-              </a:lnSpc>
-            </a:pPr>
-            <a:r>
-              <a:rPr lang="es-ES" sz="3600" dirty="0" err="1"/>
-              <a:t>lza</a:t>
-            </a:r>
-            <a:r>
-              <a:rPr lang="es-ES" sz="3600" dirty="0"/>
-              <a:t> no </a:t>
-            </a:r>
-            <a:r>
-              <a:rPr lang="es-ES" sz="3600" dirty="0" err="1"/>
-              <a:t>hihafy</a:t>
-            </a:r>
-            <a:r>
-              <a:rPr lang="es-ES" sz="3600" dirty="0"/>
-              <a:t> </a:t>
-            </a:r>
-            <a:r>
-              <a:rPr lang="es-ES" sz="3600" dirty="0" err="1"/>
-              <a:t>sady</a:t>
-            </a:r>
-            <a:r>
-              <a:rPr lang="es-ES" sz="3600" dirty="0"/>
-              <a:t> </a:t>
-            </a:r>
-            <a:r>
-              <a:rPr lang="es-ES" sz="3600" dirty="0" err="1"/>
-              <a:t>hanome</a:t>
-            </a:r>
-            <a:endParaRPr lang="es-ES" sz="3600" dirty="0"/>
-          </a:p>
-          <a:p>
-            <a:pPr algn="ctr">
-              <a:lnSpc>
-                <a:spcPct val="150000"/>
-              </a:lnSpc>
-            </a:pPr>
-            <a:r>
-              <a:rPr lang="fr-FR" sz="3600" dirty="0" err="1"/>
-              <a:t>Andro</a:t>
-            </a:r>
-            <a:r>
-              <a:rPr lang="fr-FR" sz="3600" dirty="0"/>
-              <a:t>, </a:t>
-            </a:r>
-            <a:r>
-              <a:rPr lang="fr-FR" sz="3600" dirty="0" err="1"/>
-              <a:t>hery</a:t>
-            </a:r>
-            <a:r>
-              <a:rPr lang="fr-FR" sz="3600" dirty="0"/>
-              <a:t>, </a:t>
-            </a:r>
-            <a:r>
-              <a:rPr lang="fr-FR" sz="3600" dirty="0" err="1"/>
-              <a:t>saina</a:t>
-            </a:r>
-            <a:r>
-              <a:rPr lang="fr-FR" sz="3600" dirty="0"/>
-              <a:t>? </a:t>
-            </a:r>
-            <a:r>
-              <a:rPr lang="fr-FR" sz="3600" dirty="0" err="1"/>
-              <a:t>Mamalia</a:t>
-            </a:r>
-            <a:r>
-              <a:rPr lang="fr-FR" sz="3600" dirty="0"/>
-              <a:t> e</a:t>
-            </a:r>
-            <a:r>
-              <a:rPr lang="fr-FR" sz="3600" dirty="0" smtClean="0"/>
-              <a:t>!</a:t>
-            </a:r>
-          </a:p>
-          <a:p>
-            <a:endParaRPr lang="fr-FR" sz="3600" dirty="0" smtClean="0"/>
-          </a:p>
-          <a:p>
-            <a:pPr algn="ctr"/>
-            <a:r>
-              <a:rPr lang="fr-FR" sz="3600" dirty="0" smtClean="0"/>
-              <a:t>Réf:</a:t>
-            </a:r>
-            <a:endParaRPr lang="pl-PL" sz="3600" dirty="0"/>
-          </a:p>
-          <a:p>
-            <a:pPr algn="ctr">
-              <a:lnSpc>
-                <a:spcPct val="150000"/>
-              </a:lnSpc>
-            </a:pPr>
-            <a:r>
-              <a:rPr lang="fr-FR" sz="3600" dirty="0" err="1" smtClean="0"/>
-              <a:t>Jeso</a:t>
-            </a:r>
-            <a:r>
-              <a:rPr lang="fr-FR" sz="3600" dirty="0" smtClean="0"/>
-              <a:t> </a:t>
-            </a:r>
-            <a:r>
-              <a:rPr lang="fr-FR" sz="3600" dirty="0" err="1"/>
-              <a:t>Tomponay</a:t>
-            </a:r>
-            <a:r>
-              <a:rPr lang="fr-FR" sz="3600" dirty="0"/>
-              <a:t> ô! </a:t>
-            </a:r>
-            <a:r>
-              <a:rPr lang="fr-FR" sz="3600" dirty="0" err="1"/>
-              <a:t>Indreto</a:t>
-            </a:r>
-            <a:r>
-              <a:rPr lang="fr-FR" sz="3600" dirty="0"/>
-              <a:t> </a:t>
-            </a:r>
-            <a:r>
-              <a:rPr lang="fr-FR" sz="3600" dirty="0" err="1"/>
-              <a:t>izahay</a:t>
-            </a:r>
-            <a:r>
-              <a:rPr lang="fr-FR" sz="3600" dirty="0"/>
-              <a:t>,</a:t>
-            </a:r>
-          </a:p>
-          <a:p>
-            <a:pPr algn="ctr">
-              <a:lnSpc>
-                <a:spcPct val="150000"/>
-              </a:lnSpc>
-            </a:pPr>
-            <a:r>
-              <a:rPr lang="fr-FR" sz="3600" dirty="0" err="1"/>
-              <a:t>Avy</a:t>
-            </a:r>
-            <a:r>
-              <a:rPr lang="fr-FR" sz="3600" dirty="0"/>
-              <a:t> </a:t>
-            </a:r>
-            <a:r>
-              <a:rPr lang="fr-FR" sz="3600" dirty="0" err="1"/>
-              <a:t>mba</a:t>
-            </a:r>
-            <a:r>
-              <a:rPr lang="fr-FR" sz="3600" dirty="0"/>
-              <a:t> </a:t>
-            </a:r>
-            <a:r>
-              <a:rPr lang="fr-FR" sz="3600" dirty="0" err="1"/>
-              <a:t>hanaiky</a:t>
-            </a:r>
-            <a:r>
-              <a:rPr lang="fr-FR" sz="3600" dirty="0"/>
-              <a:t>, ka </a:t>
-            </a:r>
-            <a:r>
-              <a:rPr lang="fr-FR" sz="3600" dirty="0" err="1"/>
-              <a:t>mandraisa</a:t>
-            </a:r>
-            <a:r>
-              <a:rPr lang="fr-FR" sz="3600" dirty="0"/>
-              <a:t> </a:t>
-            </a:r>
-            <a:r>
-              <a:rPr lang="fr-FR" sz="3600" dirty="0" err="1"/>
-              <a:t>anay</a:t>
-            </a:r>
-            <a:r>
-              <a:rPr lang="fr-FR" sz="3600" dirty="0"/>
-              <a:t>.</a:t>
             </a:r>
           </a:p>
         </p:txBody>
@@ -4446,14 +5151,411 @@
       </p:grpSpPr>
       <p:sp>
         <p:nvSpPr>
+          <p:cNvPr id="5" name="ZoneTexte 4">
+            <a:extLst>
+              <a:ext uri="{FF2B5EF4-FFF2-40B4-BE49-F238E27FC236}">
+                <a16:creationId xmlns:a16="http://schemas.microsoft.com/office/drawing/2014/main" id="{98DF34A7-FA41-5379-A90E-99CC46B4BB59}"/>
+              </a:ext>
+            </a:extLst>
+          </p:cNvPr>
+          <p:cNvSpPr txBox="1"/>
+          <p:nvPr/>
+        </p:nvSpPr>
+        <p:spPr>
+          <a:xfrm>
+            <a:off x="0" y="368072"/>
+            <a:ext cx="9144000" cy="5509200"/>
+          </a:xfrm>
+          <a:prstGeom prst="rect">
+            <a:avLst/>
+          </a:prstGeom>
+          <a:noFill/>
+        </p:spPr>
+        <p:txBody>
+          <a:bodyPr wrap="square">
+            <a:spAutoFit/>
+          </a:bodyPr>
+          <a:lstStyle/>
+          <a:p>
+            <a:pPr algn="ctr"/>
+            <a:r>
+              <a:rPr lang="fr-FR" sz="8800" dirty="0"/>
+              <a:t>He, </a:t>
+            </a:r>
+            <a:r>
+              <a:rPr lang="fr-FR" sz="8800" dirty="0" err="1"/>
+              <a:t>miantso</a:t>
+            </a:r>
+            <a:r>
+              <a:rPr lang="fr-FR" sz="8800" dirty="0"/>
+              <a:t> </a:t>
+            </a:r>
+            <a:r>
+              <a:rPr lang="fr-FR" sz="8800" dirty="0" err="1"/>
+              <a:t>mafy</a:t>
+            </a:r>
+            <a:r>
+              <a:rPr lang="fr-FR" sz="8800" dirty="0"/>
+              <a:t> </a:t>
+            </a:r>
+            <a:r>
+              <a:rPr lang="fr-FR" sz="8800" dirty="0" err="1"/>
+              <a:t>Jeso</a:t>
+            </a:r>
+            <a:r>
+              <a:rPr lang="fr-FR" sz="8800" dirty="0"/>
+              <a:t> </a:t>
+            </a:r>
+            <a:r>
+              <a:rPr lang="fr-FR" sz="8800" dirty="0" err="1"/>
+              <a:t>Tompo</a:t>
+            </a:r>
+            <a:r>
+              <a:rPr lang="fr-FR" sz="8800" dirty="0"/>
+              <a:t> </a:t>
+            </a:r>
+            <a:r>
+              <a:rPr lang="fr-FR" sz="8800" dirty="0" err="1"/>
+              <a:t>tia</a:t>
+            </a:r>
+            <a:r>
+              <a:rPr lang="fr-FR" sz="8800" dirty="0"/>
+              <a:t>:</a:t>
+            </a:r>
+          </a:p>
+          <a:p>
+            <a:pPr algn="ctr"/>
+            <a:r>
+              <a:rPr lang="fi-FI" sz="8800" dirty="0"/>
+              <a:t>"Zay rehetra mety, ô! avia, avia!" </a:t>
+            </a:r>
+          </a:p>
+        </p:txBody>
+      </p:sp>
+    </p:spTree>
+    <p:extLst>
+      <p:ext uri="{BB962C8B-B14F-4D97-AF65-F5344CB8AC3E}">
+        <p14:creationId xmlns:p14="http://schemas.microsoft.com/office/powerpoint/2010/main" val="3187792709"/>
+      </p:ext>
+    </p:extLst>
+  </p:cSld>
+  <p:clrMapOvr>
+    <a:masterClrMapping/>
+  </p:clrMapOvr>
+</p:sld>
+</file>
+
+<file path=ppt/slides/slide7.xml><?xml version="1.0" encoding="utf-8"?>
+<p:sld xmlns:a="http://schemas.openxmlformats.org/drawingml/2006/main" xmlns:r="http://schemas.openxmlformats.org/officeDocument/2006/relationships" xmlns:p="http://schemas.openxmlformats.org/presentationml/2006/main">
+  <p:cSld>
+    <p:spTree>
+      <p:nvGrpSpPr>
+        <p:cNvPr id="1" name=""/>
+        <p:cNvGrpSpPr/>
+        <p:nvPr/>
+      </p:nvGrpSpPr>
+      <p:grpSpPr>
+        <a:xfrm>
+          <a:off x="0" y="0"/>
+          <a:ext cx="0" cy="0"/>
+          <a:chOff x="0" y="0"/>
+          <a:chExt cx="0" cy="0"/>
+        </a:xfrm>
+      </p:grpSpPr>
+      <p:sp>
+        <p:nvSpPr>
+          <p:cNvPr id="5" name="ZoneTexte 4">
+            <a:extLst>
+              <a:ext uri="{FF2B5EF4-FFF2-40B4-BE49-F238E27FC236}">
+                <a16:creationId xmlns:a16="http://schemas.microsoft.com/office/drawing/2014/main" id="{79AE07ED-98B4-C43F-B1DF-C6AE33043E07}"/>
+              </a:ext>
+            </a:extLst>
+          </p:cNvPr>
+          <p:cNvSpPr txBox="1"/>
+          <p:nvPr/>
+        </p:nvSpPr>
+        <p:spPr>
+          <a:xfrm>
+            <a:off x="0" y="572482"/>
+            <a:ext cx="9144000" cy="5016758"/>
+          </a:xfrm>
+          <a:prstGeom prst="rect">
+            <a:avLst/>
+          </a:prstGeom>
+          <a:noFill/>
+        </p:spPr>
+        <p:txBody>
+          <a:bodyPr wrap="square">
+            <a:spAutoFit/>
+          </a:bodyPr>
+          <a:lstStyle/>
+          <a:p>
+            <a:pPr algn="ctr"/>
+            <a:r>
+              <a:rPr lang="fr-FR" sz="8000" b="1" dirty="0" err="1">
+                <a:effectLst>
+                  <a:outerShdw blurRad="38100" dist="38100" dir="2700000" algn="tl">
+                    <a:srgbClr val="000000">
+                      <a:alpha val="43137"/>
+                    </a:srgbClr>
+                  </a:outerShdw>
+                </a:effectLst>
+              </a:rPr>
+              <a:t>Jeso</a:t>
+            </a:r>
+            <a:r>
+              <a:rPr lang="fr-FR" sz="8000" b="1" dirty="0">
+                <a:effectLst>
+                  <a:outerShdw blurRad="38100" dist="38100" dir="2700000" algn="tl">
+                    <a:srgbClr val="000000">
+                      <a:alpha val="43137"/>
+                    </a:srgbClr>
+                  </a:outerShdw>
+                </a:effectLst>
+              </a:rPr>
+              <a:t> </a:t>
+            </a:r>
+            <a:r>
+              <a:rPr lang="fr-FR" sz="8000" b="1" dirty="0" err="1">
+                <a:effectLst>
+                  <a:outerShdw blurRad="38100" dist="38100" dir="2700000" algn="tl">
+                    <a:srgbClr val="000000">
+                      <a:alpha val="43137"/>
+                    </a:srgbClr>
+                  </a:outerShdw>
+                </a:effectLst>
+              </a:rPr>
+              <a:t>Tomponay</a:t>
+            </a:r>
+            <a:r>
+              <a:rPr lang="fr-FR" sz="8000" b="1" dirty="0">
+                <a:effectLst>
+                  <a:outerShdw blurRad="38100" dist="38100" dir="2700000" algn="tl">
+                    <a:srgbClr val="000000">
+                      <a:alpha val="43137"/>
+                    </a:srgbClr>
+                  </a:outerShdw>
+                </a:effectLst>
+              </a:rPr>
+              <a:t> ô! </a:t>
+            </a:r>
+            <a:r>
+              <a:rPr lang="fr-FR" sz="8000" b="1" dirty="0" err="1">
+                <a:effectLst>
+                  <a:outerShdw blurRad="38100" dist="38100" dir="2700000" algn="tl">
+                    <a:srgbClr val="000000">
+                      <a:alpha val="43137"/>
+                    </a:srgbClr>
+                  </a:outerShdw>
+                </a:effectLst>
+              </a:rPr>
+              <a:t>Indreto</a:t>
+            </a:r>
+            <a:r>
+              <a:rPr lang="fr-FR" sz="8000" b="1" dirty="0">
+                <a:effectLst>
+                  <a:outerShdw blurRad="38100" dist="38100" dir="2700000" algn="tl">
+                    <a:srgbClr val="000000">
+                      <a:alpha val="43137"/>
+                    </a:srgbClr>
+                  </a:outerShdw>
+                </a:effectLst>
+              </a:rPr>
+              <a:t> </a:t>
+            </a:r>
+            <a:r>
+              <a:rPr lang="fr-FR" sz="8000" b="1" dirty="0" err="1">
+                <a:effectLst>
+                  <a:outerShdw blurRad="38100" dist="38100" dir="2700000" algn="tl">
+                    <a:srgbClr val="000000">
+                      <a:alpha val="43137"/>
+                    </a:srgbClr>
+                  </a:outerShdw>
+                </a:effectLst>
+              </a:rPr>
+              <a:t>izahay</a:t>
+            </a:r>
+            <a:r>
+              <a:rPr lang="fr-FR" sz="8000" b="1" dirty="0">
+                <a:effectLst>
+                  <a:outerShdw blurRad="38100" dist="38100" dir="2700000" algn="tl">
+                    <a:srgbClr val="000000">
+                      <a:alpha val="43137"/>
+                    </a:srgbClr>
+                  </a:outerShdw>
+                </a:effectLst>
+              </a:rPr>
+              <a:t>,</a:t>
+            </a:r>
+          </a:p>
+          <a:p>
+            <a:pPr algn="ctr"/>
+            <a:r>
+              <a:rPr lang="fr-FR" sz="8000" b="1" dirty="0">
+                <a:effectLst>
+                  <a:outerShdw blurRad="38100" dist="38100" dir="2700000" algn="tl">
+                    <a:srgbClr val="000000">
+                      <a:alpha val="43137"/>
+                    </a:srgbClr>
+                  </a:outerShdw>
+                </a:effectLst>
+              </a:rPr>
+              <a:t>Avy </a:t>
+            </a:r>
+            <a:r>
+              <a:rPr lang="fr-FR" sz="8000" b="1" dirty="0" err="1">
+                <a:effectLst>
+                  <a:outerShdw blurRad="38100" dist="38100" dir="2700000" algn="tl">
+                    <a:srgbClr val="000000">
+                      <a:alpha val="43137"/>
+                    </a:srgbClr>
+                  </a:outerShdw>
+                </a:effectLst>
+              </a:rPr>
+              <a:t>mba</a:t>
+            </a:r>
+            <a:r>
+              <a:rPr lang="fr-FR" sz="8000" b="1" dirty="0">
+                <a:effectLst>
+                  <a:outerShdw blurRad="38100" dist="38100" dir="2700000" algn="tl">
+                    <a:srgbClr val="000000">
+                      <a:alpha val="43137"/>
+                    </a:srgbClr>
+                  </a:outerShdw>
+                </a:effectLst>
+              </a:rPr>
+              <a:t> </a:t>
+            </a:r>
+            <a:r>
+              <a:rPr lang="fr-FR" sz="8000" b="1" dirty="0" err="1">
+                <a:effectLst>
+                  <a:outerShdw blurRad="38100" dist="38100" dir="2700000" algn="tl">
+                    <a:srgbClr val="000000">
+                      <a:alpha val="43137"/>
+                    </a:srgbClr>
+                  </a:outerShdw>
+                </a:effectLst>
+              </a:rPr>
+              <a:t>hanaiky</a:t>
+            </a:r>
+            <a:r>
+              <a:rPr lang="fr-FR" sz="8000" b="1" dirty="0">
+                <a:effectLst>
+                  <a:outerShdw blurRad="38100" dist="38100" dir="2700000" algn="tl">
+                    <a:srgbClr val="000000">
+                      <a:alpha val="43137"/>
+                    </a:srgbClr>
+                  </a:outerShdw>
+                </a:effectLst>
+              </a:rPr>
+              <a:t>, </a:t>
+            </a:r>
+          </a:p>
+          <a:p>
+            <a:pPr algn="ctr"/>
+            <a:r>
+              <a:rPr lang="fr-FR" sz="8000" b="1" dirty="0">
+                <a:effectLst>
+                  <a:outerShdw blurRad="38100" dist="38100" dir="2700000" algn="tl">
+                    <a:srgbClr val="000000">
+                      <a:alpha val="43137"/>
+                    </a:srgbClr>
+                  </a:outerShdw>
+                </a:effectLst>
+              </a:rPr>
+              <a:t>ka </a:t>
+            </a:r>
+            <a:r>
+              <a:rPr lang="fr-FR" sz="8000" b="1" dirty="0" err="1">
+                <a:effectLst>
+                  <a:outerShdw blurRad="38100" dist="38100" dir="2700000" algn="tl">
+                    <a:srgbClr val="000000">
+                      <a:alpha val="43137"/>
+                    </a:srgbClr>
+                  </a:outerShdw>
+                </a:effectLst>
+              </a:rPr>
+              <a:t>mandraisa</a:t>
+            </a:r>
+            <a:r>
+              <a:rPr lang="fr-FR" sz="8000" b="1" dirty="0">
+                <a:effectLst>
+                  <a:outerShdw blurRad="38100" dist="38100" dir="2700000" algn="tl">
+                    <a:srgbClr val="000000">
+                      <a:alpha val="43137"/>
+                    </a:srgbClr>
+                  </a:outerShdw>
+                </a:effectLst>
+              </a:rPr>
+              <a:t> </a:t>
+            </a:r>
+            <a:r>
+              <a:rPr lang="fr-FR" sz="8000" b="1" dirty="0" err="1">
+                <a:effectLst>
+                  <a:outerShdw blurRad="38100" dist="38100" dir="2700000" algn="tl">
+                    <a:srgbClr val="000000">
+                      <a:alpha val="43137"/>
+                    </a:srgbClr>
+                  </a:outerShdw>
+                </a:effectLst>
+              </a:rPr>
+              <a:t>anay</a:t>
+            </a:r>
+            <a:r>
+              <a:rPr lang="fr-FR" sz="8000" b="1" dirty="0">
+                <a:effectLst>
+                  <a:outerShdw blurRad="38100" dist="38100" dir="2700000" algn="tl">
+                    <a:srgbClr val="000000">
+                      <a:alpha val="43137"/>
+                    </a:srgbClr>
+                  </a:outerShdw>
+                </a:effectLst>
+              </a:rPr>
+              <a:t>.</a:t>
+            </a:r>
+          </a:p>
+        </p:txBody>
+      </p:sp>
+    </p:spTree>
+    <p:extLst>
+      <p:ext uri="{BB962C8B-B14F-4D97-AF65-F5344CB8AC3E}">
+        <p14:creationId xmlns:p14="http://schemas.microsoft.com/office/powerpoint/2010/main" val="2279013393"/>
+      </p:ext>
+    </p:extLst>
+  </p:cSld>
+  <p:clrMapOvr>
+    <a:masterClrMapping/>
+  </p:clrMapOvr>
+</p:sld>
+</file>
+
+<file path=ppt/slides/slide8.xml><?xml version="1.0" encoding="utf-8"?>
+<p:sld xmlns:a="http://schemas.openxmlformats.org/drawingml/2006/main" xmlns:r="http://schemas.openxmlformats.org/officeDocument/2006/relationships" xmlns:p="http://schemas.openxmlformats.org/presentationml/2006/main">
+  <p:cSld>
+    <p:spTree>
+      <p:nvGrpSpPr>
+        <p:cNvPr id="1" name=""/>
+        <p:cNvGrpSpPr/>
+        <p:nvPr/>
+      </p:nvGrpSpPr>
+      <p:grpSpPr>
+        <a:xfrm>
+          <a:off x="0" y="0"/>
+          <a:ext cx="0" cy="0"/>
+          <a:chOff x="0" y="0"/>
+          <a:chExt cx="0" cy="0"/>
+        </a:xfrm>
+      </p:grpSpPr>
+      <p:sp>
+        <p:nvSpPr>
           <p:cNvPr id="7" name="Rectangle 6"/>
           <p:cNvSpPr/>
           <p:nvPr/>
         </p:nvSpPr>
         <p:spPr>
           <a:xfrm>
-            <a:off x="642910" y="285728"/>
-            <a:ext cx="7715304" cy="6186309"/>
+            <a:off x="0" y="548680"/>
+            <a:ext cx="9144000" cy="5509200"/>
           </a:xfrm>
           <a:prstGeom prst="rect">
             <a:avLst/>
@@ -4465,213 +5567,220 @@
           </a:bodyPr>
           <a:lstStyle/>
           <a:p>
-            <a:pPr algn="ctr">
-              <a:lnSpc>
-                <a:spcPct val="150000"/>
-              </a:lnSpc>
-            </a:pPr>
-            <a:r>
-              <a:rPr lang="fr-FR" sz="3600" dirty="0"/>
-              <a:t>5. </a:t>
-            </a:r>
-            <a:r>
-              <a:rPr lang="fr-FR" sz="3600" dirty="0" err="1"/>
+            <a:pPr algn="ctr"/>
+            <a:r>
+              <a:rPr lang="fr-FR" sz="8800" dirty="0"/>
+              <a:t>3. </a:t>
+            </a:r>
+            <a:r>
+              <a:rPr lang="fr-FR" sz="8800" dirty="0" err="1"/>
               <a:t>lza</a:t>
             </a:r>
             <a:r>
-              <a:rPr lang="fr-FR" sz="3600" dirty="0"/>
+              <a:rPr lang="fr-FR" sz="8800" dirty="0"/>
               <a:t> no </a:t>
             </a:r>
             <a:r>
-              <a:rPr lang="fr-FR" sz="3600" dirty="0" err="1"/>
-              <a:t>hazoto</a:t>
-            </a:r>
-            <a:r>
-              <a:rPr lang="fr-FR" sz="3600" dirty="0"/>
+              <a:rPr lang="fr-FR" sz="8800" dirty="0" err="1"/>
+              <a:t>mba</a:t>
+            </a:r>
+            <a:r>
+              <a:rPr lang="fr-FR" sz="8800" dirty="0"/>
               <a:t> </a:t>
             </a:r>
             <a:r>
-              <a:rPr lang="fr-FR" sz="3600" dirty="0" err="1"/>
-              <a:t>mba</a:t>
-            </a:r>
-            <a:r>
-              <a:rPr lang="fr-FR" sz="3600" dirty="0"/>
+              <a:rPr lang="fr-FR" sz="8800" dirty="0" err="1"/>
+              <a:t>sahy</a:t>
+            </a:r>
+            <a:r>
+              <a:rPr lang="fr-FR" sz="8800" dirty="0"/>
+              <a:t>, </a:t>
+            </a:r>
+            <a:r>
+              <a:rPr lang="fr-FR" sz="8800" dirty="0" err="1"/>
+              <a:t>sahy</a:t>
+            </a:r>
+            <a:r>
+              <a:rPr lang="fr-FR" sz="8800" dirty="0"/>
               <a:t> </a:t>
             </a:r>
             <a:r>
-              <a:rPr lang="fr-FR" sz="3600" dirty="0" err="1"/>
-              <a:t>hiasa</a:t>
-            </a:r>
-            <a:r>
-              <a:rPr lang="fr-FR" sz="3600" dirty="0"/>
+              <a:rPr lang="fr-FR" sz="8800" dirty="0" err="1"/>
+              <a:t>ao</a:t>
+            </a:r>
+            <a:r>
+              <a:rPr lang="fr-FR" sz="8800" dirty="0"/>
               <a:t> </a:t>
             </a:r>
             <a:r>
-              <a:rPr lang="fr-FR" sz="3600" dirty="0" err="1"/>
-              <a:t>moa</a:t>
-            </a:r>
-            <a:r>
-              <a:rPr lang="fr-FR" sz="3600" dirty="0"/>
+              <a:rPr lang="fr-FR" sz="8800" dirty="0" err="1"/>
+              <a:t>am</a:t>
+            </a:r>
+            <a:r>
+              <a:rPr lang="fr-FR" sz="8800" dirty="0"/>
+              <a:t>-po</a:t>
+            </a:r>
+          </a:p>
+          <a:p>
+            <a:pPr algn="ctr"/>
+            <a:r>
+              <a:rPr lang="fr-FR" sz="8800" dirty="0"/>
+              <a:t>Ho </a:t>
+            </a:r>
+            <a:r>
+              <a:rPr lang="fr-FR" sz="8800" dirty="0" err="1"/>
+              <a:t>miaramila</a:t>
+            </a:r>
+            <a:r>
+              <a:rPr lang="fr-FR" sz="8800" dirty="0"/>
+              <a:t> </a:t>
+            </a:r>
+            <a:r>
+              <a:rPr lang="fr-FR" sz="8800" dirty="0" err="1"/>
+              <a:t>fehin'i</a:t>
+            </a:r>
+            <a:r>
+              <a:rPr lang="fr-FR" sz="8800" dirty="0"/>
+              <a:t> </a:t>
+            </a:r>
+            <a:r>
+              <a:rPr lang="fr-FR" sz="8800" dirty="0" err="1"/>
+              <a:t>Jeso</a:t>
+            </a:r>
+            <a:r>
+              <a:rPr lang="fr-FR" sz="8800" dirty="0"/>
               <a:t>?</a:t>
             </a:r>
           </a:p>
-          <a:p>
-            <a:pPr algn="ctr">
-              <a:lnSpc>
-                <a:spcPct val="150000"/>
-              </a:lnSpc>
-            </a:pPr>
-            <a:r>
-              <a:rPr lang="nn-NO" sz="3600" dirty="0"/>
-              <a:t>lza no handroso mba ho hendry koa?</a:t>
-            </a:r>
-          </a:p>
-          <a:p>
-            <a:pPr algn="ctr">
-              <a:lnSpc>
-                <a:spcPct val="150000"/>
-              </a:lnSpc>
-            </a:pPr>
-            <a:r>
-              <a:rPr lang="es-ES" sz="3600" dirty="0" err="1"/>
+        </p:txBody>
+      </p:sp>
+    </p:spTree>
+  </p:cSld>
+  <p:clrMapOvr>
+    <a:masterClrMapping/>
+  </p:clrMapOvr>
+</p:sld>
+</file>
+
+<file path=ppt/slides/slide9.xml><?xml version="1.0" encoding="utf-8"?>
+<p:sld xmlns:a="http://schemas.openxmlformats.org/drawingml/2006/main" xmlns:r="http://schemas.openxmlformats.org/officeDocument/2006/relationships" xmlns:p="http://schemas.openxmlformats.org/presentationml/2006/main">
+  <p:cSld>
+    <p:spTree>
+      <p:nvGrpSpPr>
+        <p:cNvPr id="1" name=""/>
+        <p:cNvGrpSpPr/>
+        <p:nvPr/>
+      </p:nvGrpSpPr>
+      <p:grpSpPr>
+        <a:xfrm>
+          <a:off x="0" y="0"/>
+          <a:ext cx="0" cy="0"/>
+          <a:chOff x="0" y="0"/>
+          <a:chExt cx="0" cy="0"/>
+        </a:xfrm>
+      </p:grpSpPr>
+      <p:sp>
+        <p:nvSpPr>
+          <p:cNvPr id="8" name="ZoneTexte 7">
+            <a:extLst>
+              <a:ext uri="{FF2B5EF4-FFF2-40B4-BE49-F238E27FC236}">
+                <a16:creationId xmlns:a16="http://schemas.microsoft.com/office/drawing/2014/main" id="{4C59FC31-B361-FF49-4837-6B8C38887C63}"/>
+              </a:ext>
+            </a:extLst>
+          </p:cNvPr>
+          <p:cNvSpPr txBox="1"/>
+          <p:nvPr/>
+        </p:nvSpPr>
+        <p:spPr>
+          <a:xfrm>
+            <a:off x="0" y="235669"/>
+            <a:ext cx="9144000" cy="6001643"/>
+          </a:xfrm>
+          <a:prstGeom prst="rect">
+            <a:avLst/>
+          </a:prstGeom>
+          <a:noFill/>
+        </p:spPr>
+        <p:txBody>
+          <a:bodyPr wrap="square">
+            <a:spAutoFit/>
+          </a:bodyPr>
+          <a:lstStyle/>
+          <a:p>
+            <a:pPr algn="ctr"/>
+            <a:r>
+              <a:rPr lang="fr-FR" sz="9600" dirty="0" err="1"/>
               <a:t>lza</a:t>
             </a:r>
             <a:r>
-              <a:rPr lang="es-ES" sz="3600" dirty="0"/>
+              <a:rPr lang="fr-FR" sz="9600" dirty="0"/>
               <a:t> no </a:t>
             </a:r>
             <a:r>
-              <a:rPr lang="es-ES" sz="3600" dirty="0" err="1"/>
-              <a:t>hanaiky</a:t>
-            </a:r>
-            <a:r>
-              <a:rPr lang="es-ES" sz="3600" dirty="0"/>
-              <a:t>, iza re? </a:t>
-            </a:r>
-            <a:r>
-              <a:rPr lang="es-ES" sz="3600" dirty="0" err="1"/>
-              <a:t>lazao</a:t>
-            </a:r>
-            <a:r>
-              <a:rPr lang="es-ES" sz="3600" dirty="0"/>
-              <a:t>!</a:t>
-            </a:r>
-          </a:p>
-          <a:p>
-            <a:pPr algn="ctr">
-              <a:lnSpc>
-                <a:spcPct val="150000"/>
-              </a:lnSpc>
-            </a:pPr>
-            <a:r>
-              <a:rPr lang="it-IT" sz="3600" dirty="0"/>
-              <a:t>Mba ho an'i Jeso izao anio izao</a:t>
-            </a:r>
-            <a:r>
-              <a:rPr lang="it-IT" sz="3600" dirty="0" smtClean="0"/>
-              <a:t>:</a:t>
-            </a:r>
-          </a:p>
-          <a:p>
-            <a:endParaRPr lang="fr-FR" sz="3600" dirty="0" smtClean="0"/>
+              <a:rPr lang="fr-FR" sz="9600" dirty="0" err="1"/>
+              <a:t>hiady</a:t>
+            </a:r>
+            <a:r>
+              <a:rPr lang="fr-FR" sz="9600" dirty="0"/>
+              <a:t> </a:t>
+            </a:r>
+            <a:r>
+              <a:rPr lang="fr-FR" sz="9600" dirty="0" err="1"/>
+              <a:t>ady</a:t>
+            </a:r>
+            <a:r>
+              <a:rPr lang="fr-FR" sz="9600" dirty="0"/>
+              <a:t> </a:t>
+            </a:r>
+            <a:r>
+              <a:rPr lang="fr-FR" sz="9600" dirty="0" err="1"/>
+              <a:t>tsara</a:t>
+            </a:r>
+            <a:r>
+              <a:rPr lang="fr-FR" sz="9600" dirty="0"/>
+              <a:t> re,</a:t>
+            </a:r>
           </a:p>
           <a:p>
             <a:pPr algn="ctr"/>
             <a:r>
-              <a:rPr lang="fr-FR" sz="3600" dirty="0" smtClean="0"/>
-              <a:t>Réf:</a:t>
-            </a:r>
-            <a:endParaRPr lang="pl-PL" sz="3600" dirty="0"/>
-          </a:p>
-          <a:p>
-            <a:pPr algn="ctr">
-              <a:lnSpc>
-                <a:spcPct val="150000"/>
-              </a:lnSpc>
-            </a:pPr>
-            <a:r>
-              <a:rPr lang="fr-FR" sz="3600" dirty="0" err="1" smtClean="0"/>
-              <a:t>Jeso</a:t>
-            </a:r>
-            <a:r>
-              <a:rPr lang="fr-FR" sz="3600" dirty="0" smtClean="0"/>
+              <a:rPr lang="fr-FR" sz="9600" dirty="0"/>
+              <a:t>Fa </a:t>
+            </a:r>
+            <a:r>
+              <a:rPr lang="fr-FR" sz="9600" dirty="0" err="1"/>
+              <a:t>ny</a:t>
+            </a:r>
+            <a:r>
+              <a:rPr lang="fr-FR" sz="9600" dirty="0"/>
               <a:t> </a:t>
             </a:r>
             <a:r>
-              <a:rPr lang="fr-FR" sz="3600" dirty="0" err="1"/>
-              <a:t>Tomponay</a:t>
-            </a:r>
-            <a:r>
-              <a:rPr lang="fr-FR" sz="3600" dirty="0"/>
-              <a:t> ô! </a:t>
-            </a:r>
-            <a:r>
-              <a:rPr lang="fr-FR" sz="3600" dirty="0" err="1"/>
-              <a:t>Indreto</a:t>
-            </a:r>
-            <a:r>
-              <a:rPr lang="fr-FR" sz="3600" dirty="0"/>
-              <a:t> </a:t>
-            </a:r>
-            <a:r>
-              <a:rPr lang="fr-FR" sz="3600" dirty="0" err="1"/>
-              <a:t>izahay</a:t>
-            </a:r>
-            <a:r>
-              <a:rPr lang="fr-FR" sz="3600" dirty="0"/>
-              <a:t>,</a:t>
-            </a:r>
-          </a:p>
-          <a:p>
-            <a:pPr algn="ctr">
-              <a:lnSpc>
-                <a:spcPct val="150000"/>
-              </a:lnSpc>
-            </a:pPr>
-            <a:r>
-              <a:rPr lang="fr-FR" sz="3600" dirty="0" err="1"/>
-              <a:t>Avy</a:t>
-            </a:r>
-            <a:r>
-              <a:rPr lang="fr-FR" sz="3600" dirty="0"/>
-              <a:t> </a:t>
-            </a:r>
-            <a:r>
-              <a:rPr lang="fr-FR" sz="3600" dirty="0" err="1"/>
-              <a:t>mba</a:t>
-            </a:r>
-            <a:r>
-              <a:rPr lang="fr-FR" sz="3600" dirty="0"/>
-              <a:t> </a:t>
-            </a:r>
-            <a:r>
-              <a:rPr lang="fr-FR" sz="3600" dirty="0" err="1"/>
-              <a:t>hanaiky</a:t>
-            </a:r>
-            <a:r>
-              <a:rPr lang="fr-FR" sz="3600" dirty="0"/>
-              <a:t>, ka </a:t>
-            </a:r>
-            <a:r>
-              <a:rPr lang="fr-FR" sz="3600" dirty="0" err="1"/>
-              <a:t>mandraisa</a:t>
-            </a:r>
-            <a:r>
-              <a:rPr lang="fr-FR" sz="3600" dirty="0"/>
-              <a:t> </a:t>
-            </a:r>
-            <a:r>
-              <a:rPr lang="fr-FR" sz="3600" dirty="0" err="1"/>
-              <a:t>anay</a:t>
-            </a:r>
-            <a:r>
-              <a:rPr lang="fr-FR" sz="3600" dirty="0"/>
-              <a:t>.</a:t>
-            </a:r>
+              <a:rPr lang="fr-FR" sz="9600" dirty="0" err="1"/>
+              <a:t>fahavalo</a:t>
+            </a:r>
+            <a:r>
+              <a:rPr lang="fr-FR" sz="9600" dirty="0"/>
+              <a:t> dia </a:t>
+            </a:r>
+            <a:r>
+              <a:rPr lang="fr-FR" sz="9600" dirty="0" err="1"/>
+              <a:t>marobe</a:t>
+            </a:r>
+            <a:r>
+              <a:rPr lang="fr-FR" sz="9600" dirty="0"/>
+              <a:t>?</a:t>
+            </a:r>
+            <a:endParaRPr lang="fi-FI" sz="9600" dirty="0"/>
           </a:p>
         </p:txBody>
       </p:sp>
     </p:spTree>
+    <p:extLst>
+      <p:ext uri="{BB962C8B-B14F-4D97-AF65-F5344CB8AC3E}">
+        <p14:creationId xmlns:p14="http://schemas.microsoft.com/office/powerpoint/2010/main" val="4148953999"/>
+      </p:ext>
+    </p:extLst>
   </p:cSld>
   <p:clrMapOvr>
     <a:masterClrMapping/>
